--- a/prezentatsia.pptx
+++ b/prezentatsia.pptx
@@ -4,6 +4,9 @@
   <p:sldMasterIdLst>
     <p:sldMasterId id="2147483648" r:id="rId1"/>
   </p:sldMasterIdLst>
+  <p:notesMasterIdLst>
+    <p:notesMasterId r:id="rId11"/>
+  </p:notesMasterIdLst>
   <p:sldIdLst>
     <p:sldId id="256" r:id="rId2"/>
     <p:sldId id="257" r:id="rId3"/>
@@ -12,7 +15,8 @@
     <p:sldId id="264" r:id="rId6"/>
     <p:sldId id="261" r:id="rId7"/>
     <p:sldId id="262" r:id="rId8"/>
-    <p:sldId id="263" r:id="rId9"/>
+    <p:sldId id="265" r:id="rId9"/>
+    <p:sldId id="266" r:id="rId10"/>
   </p:sldIdLst>
   <p:sldSz cx="12192000" cy="6858000"/>
   <p:notesSz cx="6858000" cy="9144000"/>
@@ -117,6 +121,440 @@
     </p:ext>
   </p:extLst>
 </p:presentation>
+</file>
+
+<file path=ppt/notesMasters/notesMaster1.xml><?xml version="1.0" encoding="utf-8"?>
+<p:notesMaster xmlns:a="http://schemas.openxmlformats.org/drawingml/2006/main" xmlns:r="http://schemas.openxmlformats.org/officeDocument/2006/relationships" xmlns:p="http://schemas.openxmlformats.org/presentationml/2006/main">
+  <p:cSld>
+    <p:bg>
+      <p:bgRef idx="1001">
+        <a:schemeClr val="bg1"/>
+      </p:bgRef>
+    </p:bg>
+    <p:spTree>
+      <p:nvGrpSpPr>
+        <p:cNvPr id="1" name=""/>
+        <p:cNvGrpSpPr/>
+        <p:nvPr/>
+      </p:nvGrpSpPr>
+      <p:grpSpPr>
+        <a:xfrm>
+          <a:off x="0" y="0"/>
+          <a:ext cx="0" cy="0"/>
+          <a:chOff x="0" y="0"/>
+          <a:chExt cx="0" cy="0"/>
+        </a:xfrm>
+      </p:grpSpPr>
+      <p:sp>
+        <p:nvSpPr>
+          <p:cNvPr id="2" name="Верхний колонтитул 1"/>
+          <p:cNvSpPr>
+            <a:spLocks noGrp="1"/>
+          </p:cNvSpPr>
+          <p:nvPr>
+            <p:ph type="hdr" sz="quarter"/>
+          </p:nvPr>
+        </p:nvSpPr>
+        <p:spPr>
+          <a:xfrm>
+            <a:off x="0" y="0"/>
+            <a:ext cx="2971800" cy="458788"/>
+          </a:xfrm>
+          <a:prstGeom prst="rect">
+            <a:avLst/>
+          </a:prstGeom>
+        </p:spPr>
+        <p:txBody>
+          <a:bodyPr vert="horz" lIns="91440" tIns="45720" rIns="91440" bIns="45720" rtlCol="0"/>
+          <a:lstStyle>
+            <a:lvl1pPr algn="l">
+              <a:defRPr sz="1200"/>
+            </a:lvl1pPr>
+          </a:lstStyle>
+          <a:p>
+            <a:endParaRPr lang="ru-RU"/>
+          </a:p>
+        </p:txBody>
+      </p:sp>
+      <p:sp>
+        <p:nvSpPr>
+          <p:cNvPr id="3" name="Дата 2"/>
+          <p:cNvSpPr>
+            <a:spLocks noGrp="1"/>
+          </p:cNvSpPr>
+          <p:nvPr>
+            <p:ph type="dt" idx="1"/>
+          </p:nvPr>
+        </p:nvSpPr>
+        <p:spPr>
+          <a:xfrm>
+            <a:off x="3884613" y="0"/>
+            <a:ext cx="2971800" cy="458788"/>
+          </a:xfrm>
+          <a:prstGeom prst="rect">
+            <a:avLst/>
+          </a:prstGeom>
+        </p:spPr>
+        <p:txBody>
+          <a:bodyPr vert="horz" lIns="91440" tIns="45720" rIns="91440" bIns="45720" rtlCol="0"/>
+          <a:lstStyle>
+            <a:lvl1pPr algn="r">
+              <a:defRPr sz="1200"/>
+            </a:lvl1pPr>
+          </a:lstStyle>
+          <a:p>
+            <a:fld id="{4DAA2E26-D7E9-456E-A159-371BA627606B}" type="datetimeFigureOut">
+              <a:rPr lang="ru-RU" smtClean="0"/>
+              <a:t>29.01.2021</a:t>
+            </a:fld>
+            <a:endParaRPr lang="ru-RU"/>
+          </a:p>
+        </p:txBody>
+      </p:sp>
+      <p:sp>
+        <p:nvSpPr>
+          <p:cNvPr id="4" name="Образ слайда 3"/>
+          <p:cNvSpPr>
+            <a:spLocks noGrp="1" noRot="1" noChangeAspect="1"/>
+          </p:cNvSpPr>
+          <p:nvPr>
+            <p:ph type="sldImg" idx="2"/>
+          </p:nvPr>
+        </p:nvSpPr>
+        <p:spPr>
+          <a:xfrm>
+            <a:off x="685800" y="1143000"/>
+            <a:ext cx="5486400" cy="3086100"/>
+          </a:xfrm>
+          <a:prstGeom prst="rect">
+            <a:avLst/>
+          </a:prstGeom>
+          <a:noFill/>
+          <a:ln w="12700">
+            <a:solidFill>
+              <a:prstClr val="black"/>
+            </a:solidFill>
+          </a:ln>
+        </p:spPr>
+        <p:txBody>
+          <a:bodyPr vert="horz" lIns="91440" tIns="45720" rIns="91440" bIns="45720" rtlCol="0" anchor="ctr"/>
+          <a:lstStyle/>
+          <a:p>
+            <a:endParaRPr lang="ru-RU"/>
+          </a:p>
+        </p:txBody>
+      </p:sp>
+      <p:sp>
+        <p:nvSpPr>
+          <p:cNvPr id="5" name="Заметки 4"/>
+          <p:cNvSpPr>
+            <a:spLocks noGrp="1"/>
+          </p:cNvSpPr>
+          <p:nvPr>
+            <p:ph type="body" sz="quarter" idx="3"/>
+          </p:nvPr>
+        </p:nvSpPr>
+        <p:spPr>
+          <a:xfrm>
+            <a:off x="685800" y="4400550"/>
+            <a:ext cx="5486400" cy="3600450"/>
+          </a:xfrm>
+          <a:prstGeom prst="rect">
+            <a:avLst/>
+          </a:prstGeom>
+        </p:spPr>
+        <p:txBody>
+          <a:bodyPr vert="horz" lIns="91440" tIns="45720" rIns="91440" bIns="45720" rtlCol="0"/>
+          <a:lstStyle/>
+          <a:p>
+            <a:pPr lvl="0"/>
+            <a:r>
+              <a:rPr lang="ru-RU" smtClean="0"/>
+              <a:t>Образец текста</a:t>
+            </a:r>
+          </a:p>
+          <a:p>
+            <a:pPr lvl="1"/>
+            <a:r>
+              <a:rPr lang="ru-RU" smtClean="0"/>
+              <a:t>Второй уровень</a:t>
+            </a:r>
+          </a:p>
+          <a:p>
+            <a:pPr lvl="2"/>
+            <a:r>
+              <a:rPr lang="ru-RU" smtClean="0"/>
+              <a:t>Третий уровень</a:t>
+            </a:r>
+          </a:p>
+          <a:p>
+            <a:pPr lvl="3"/>
+            <a:r>
+              <a:rPr lang="ru-RU" smtClean="0"/>
+              <a:t>Четвертый уровень</a:t>
+            </a:r>
+          </a:p>
+          <a:p>
+            <a:pPr lvl="4"/>
+            <a:r>
+              <a:rPr lang="ru-RU" smtClean="0"/>
+              <a:t>Пятый уровень</a:t>
+            </a:r>
+            <a:endParaRPr lang="ru-RU"/>
+          </a:p>
+        </p:txBody>
+      </p:sp>
+      <p:sp>
+        <p:nvSpPr>
+          <p:cNvPr id="6" name="Нижний колонтитул 5"/>
+          <p:cNvSpPr>
+            <a:spLocks noGrp="1"/>
+          </p:cNvSpPr>
+          <p:nvPr>
+            <p:ph type="ftr" sz="quarter" idx="4"/>
+          </p:nvPr>
+        </p:nvSpPr>
+        <p:spPr>
+          <a:xfrm>
+            <a:off x="0" y="8685213"/>
+            <a:ext cx="2971800" cy="458787"/>
+          </a:xfrm>
+          <a:prstGeom prst="rect">
+            <a:avLst/>
+          </a:prstGeom>
+        </p:spPr>
+        <p:txBody>
+          <a:bodyPr vert="horz" lIns="91440" tIns="45720" rIns="91440" bIns="45720" rtlCol="0" anchor="b"/>
+          <a:lstStyle>
+            <a:lvl1pPr algn="l">
+              <a:defRPr sz="1200"/>
+            </a:lvl1pPr>
+          </a:lstStyle>
+          <a:p>
+            <a:endParaRPr lang="ru-RU"/>
+          </a:p>
+        </p:txBody>
+      </p:sp>
+      <p:sp>
+        <p:nvSpPr>
+          <p:cNvPr id="7" name="Номер слайда 6"/>
+          <p:cNvSpPr>
+            <a:spLocks noGrp="1"/>
+          </p:cNvSpPr>
+          <p:nvPr>
+            <p:ph type="sldNum" sz="quarter" idx="5"/>
+          </p:nvPr>
+        </p:nvSpPr>
+        <p:spPr>
+          <a:xfrm>
+            <a:off x="3884613" y="8685213"/>
+            <a:ext cx="2971800" cy="458787"/>
+          </a:xfrm>
+          <a:prstGeom prst="rect">
+            <a:avLst/>
+          </a:prstGeom>
+        </p:spPr>
+        <p:txBody>
+          <a:bodyPr vert="horz" lIns="91440" tIns="45720" rIns="91440" bIns="45720" rtlCol="0" anchor="b"/>
+          <a:lstStyle>
+            <a:lvl1pPr algn="r">
+              <a:defRPr sz="1200"/>
+            </a:lvl1pPr>
+          </a:lstStyle>
+          <a:p>
+            <a:fld id="{D61C0976-323B-4547-A053-9D77DA9B9086}" type="slidenum">
+              <a:rPr lang="ru-RU" smtClean="0"/>
+              <a:t>‹#›</a:t>
+            </a:fld>
+            <a:endParaRPr lang="ru-RU"/>
+          </a:p>
+        </p:txBody>
+      </p:sp>
+    </p:spTree>
+    <p:extLst>
+      <p:ext uri="{BB962C8B-B14F-4D97-AF65-F5344CB8AC3E}">
+        <p14:creationId xmlns:p14="http://schemas.microsoft.com/office/powerpoint/2010/main" val="3571906731"/>
+      </p:ext>
+    </p:extLst>
+  </p:cSld>
+  <p:clrMap bg1="lt1" tx1="dk1" bg2="lt2" tx2="dk2" accent1="accent1" accent2="accent2" accent3="accent3" accent4="accent4" accent5="accent5" accent6="accent6" hlink="hlink" folHlink="folHlink"/>
+  <p:notesStyle>
+    <a:lvl1pPr marL="0" algn="l" defTabSz="914400" rtl="0" eaLnBrk="1" latinLnBrk="0" hangingPunct="1">
+      <a:defRPr sz="1200" kern="1200">
+        <a:solidFill>
+          <a:schemeClr val="tx1"/>
+        </a:solidFill>
+        <a:latin typeface="+mn-lt"/>
+        <a:ea typeface="+mn-ea"/>
+        <a:cs typeface="+mn-cs"/>
+      </a:defRPr>
+    </a:lvl1pPr>
+    <a:lvl2pPr marL="457200" algn="l" defTabSz="914400" rtl="0" eaLnBrk="1" latinLnBrk="0" hangingPunct="1">
+      <a:defRPr sz="1200" kern="1200">
+        <a:solidFill>
+          <a:schemeClr val="tx1"/>
+        </a:solidFill>
+        <a:latin typeface="+mn-lt"/>
+        <a:ea typeface="+mn-ea"/>
+        <a:cs typeface="+mn-cs"/>
+      </a:defRPr>
+    </a:lvl2pPr>
+    <a:lvl3pPr marL="914400" algn="l" defTabSz="914400" rtl="0" eaLnBrk="1" latinLnBrk="0" hangingPunct="1">
+      <a:defRPr sz="1200" kern="1200">
+        <a:solidFill>
+          <a:schemeClr val="tx1"/>
+        </a:solidFill>
+        <a:latin typeface="+mn-lt"/>
+        <a:ea typeface="+mn-ea"/>
+        <a:cs typeface="+mn-cs"/>
+      </a:defRPr>
+    </a:lvl3pPr>
+    <a:lvl4pPr marL="1371600" algn="l" defTabSz="914400" rtl="0" eaLnBrk="1" latinLnBrk="0" hangingPunct="1">
+      <a:defRPr sz="1200" kern="1200">
+        <a:solidFill>
+          <a:schemeClr val="tx1"/>
+        </a:solidFill>
+        <a:latin typeface="+mn-lt"/>
+        <a:ea typeface="+mn-ea"/>
+        <a:cs typeface="+mn-cs"/>
+      </a:defRPr>
+    </a:lvl4pPr>
+    <a:lvl5pPr marL="1828800" algn="l" defTabSz="914400" rtl="0" eaLnBrk="1" latinLnBrk="0" hangingPunct="1">
+      <a:defRPr sz="1200" kern="1200">
+        <a:solidFill>
+          <a:schemeClr val="tx1"/>
+        </a:solidFill>
+        <a:latin typeface="+mn-lt"/>
+        <a:ea typeface="+mn-ea"/>
+        <a:cs typeface="+mn-cs"/>
+      </a:defRPr>
+    </a:lvl5pPr>
+    <a:lvl6pPr marL="2286000" algn="l" defTabSz="914400" rtl="0" eaLnBrk="1" latinLnBrk="0" hangingPunct="1">
+      <a:defRPr sz="1200" kern="1200">
+        <a:solidFill>
+          <a:schemeClr val="tx1"/>
+        </a:solidFill>
+        <a:latin typeface="+mn-lt"/>
+        <a:ea typeface="+mn-ea"/>
+        <a:cs typeface="+mn-cs"/>
+      </a:defRPr>
+    </a:lvl6pPr>
+    <a:lvl7pPr marL="2743200" algn="l" defTabSz="914400" rtl="0" eaLnBrk="1" latinLnBrk="0" hangingPunct="1">
+      <a:defRPr sz="1200" kern="1200">
+        <a:solidFill>
+          <a:schemeClr val="tx1"/>
+        </a:solidFill>
+        <a:latin typeface="+mn-lt"/>
+        <a:ea typeface="+mn-ea"/>
+        <a:cs typeface="+mn-cs"/>
+      </a:defRPr>
+    </a:lvl7pPr>
+    <a:lvl8pPr marL="3200400" algn="l" defTabSz="914400" rtl="0" eaLnBrk="1" latinLnBrk="0" hangingPunct="1">
+      <a:defRPr sz="1200" kern="1200">
+        <a:solidFill>
+          <a:schemeClr val="tx1"/>
+        </a:solidFill>
+        <a:latin typeface="+mn-lt"/>
+        <a:ea typeface="+mn-ea"/>
+        <a:cs typeface="+mn-cs"/>
+      </a:defRPr>
+    </a:lvl8pPr>
+    <a:lvl9pPr marL="3657600" algn="l" defTabSz="914400" rtl="0" eaLnBrk="1" latinLnBrk="0" hangingPunct="1">
+      <a:defRPr sz="1200" kern="1200">
+        <a:solidFill>
+          <a:schemeClr val="tx1"/>
+        </a:solidFill>
+        <a:latin typeface="+mn-lt"/>
+        <a:ea typeface="+mn-ea"/>
+        <a:cs typeface="+mn-cs"/>
+      </a:defRPr>
+    </a:lvl9pPr>
+  </p:notesStyle>
+</p:notesMaster>
+</file>
+
+<file path=ppt/notesSlides/notesSlide1.xml><?xml version="1.0" encoding="utf-8"?>
+<p:notes xmlns:a="http://schemas.openxmlformats.org/drawingml/2006/main" xmlns:r="http://schemas.openxmlformats.org/officeDocument/2006/relationships" xmlns:p="http://schemas.openxmlformats.org/presentationml/2006/main">
+  <p:cSld>
+    <p:spTree>
+      <p:nvGrpSpPr>
+        <p:cNvPr id="1" name=""/>
+        <p:cNvGrpSpPr/>
+        <p:nvPr/>
+      </p:nvGrpSpPr>
+      <p:grpSpPr>
+        <a:xfrm>
+          <a:off x="0" y="0"/>
+          <a:ext cx="0" cy="0"/>
+          <a:chOff x="0" y="0"/>
+          <a:chExt cx="0" cy="0"/>
+        </a:xfrm>
+      </p:grpSpPr>
+      <p:sp>
+        <p:nvSpPr>
+          <p:cNvPr id="2" name="Образ слайда 1"/>
+          <p:cNvSpPr>
+            <a:spLocks noGrp="1" noRot="1" noChangeAspect="1"/>
+          </p:cNvSpPr>
+          <p:nvPr>
+            <p:ph type="sldImg"/>
+          </p:nvPr>
+        </p:nvSpPr>
+        <p:spPr/>
+      </p:sp>
+      <p:sp>
+        <p:nvSpPr>
+          <p:cNvPr id="3" name="Заметки 2"/>
+          <p:cNvSpPr>
+            <a:spLocks noGrp="1"/>
+          </p:cNvSpPr>
+          <p:nvPr>
+            <p:ph type="body" idx="1"/>
+          </p:nvPr>
+        </p:nvSpPr>
+        <p:spPr/>
+        <p:txBody>
+          <a:bodyPr/>
+          <a:lstStyle/>
+          <a:p>
+            <a:endParaRPr lang="ru-RU"/>
+          </a:p>
+        </p:txBody>
+      </p:sp>
+      <p:sp>
+        <p:nvSpPr>
+          <p:cNvPr id="4" name="Номер слайда 3"/>
+          <p:cNvSpPr>
+            <a:spLocks noGrp="1"/>
+          </p:cNvSpPr>
+          <p:nvPr>
+            <p:ph type="sldNum" sz="quarter" idx="10"/>
+          </p:nvPr>
+        </p:nvSpPr>
+        <p:spPr/>
+        <p:txBody>
+          <a:bodyPr/>
+          <a:lstStyle/>
+          <a:p>
+            <a:fld id="{D61C0976-323B-4547-A053-9D77DA9B9086}" type="slidenum">
+              <a:rPr lang="ru-RU" smtClean="0"/>
+              <a:t>3</a:t>
+            </a:fld>
+            <a:endParaRPr lang="ru-RU"/>
+          </a:p>
+        </p:txBody>
+      </p:sp>
+    </p:spTree>
+    <p:extLst>
+      <p:ext uri="{BB962C8B-B14F-4D97-AF65-F5344CB8AC3E}">
+        <p14:creationId xmlns:p14="http://schemas.microsoft.com/office/powerpoint/2010/main" val="453803706"/>
+      </p:ext>
+    </p:extLst>
+  </p:cSld>
+  <p:clrMapOvr>
+    <a:masterClrMapping/>
+  </p:clrMapOvr>
+</p:notes>
 </file>
 
 <file path=ppt/slideLayouts/slideLayout1.xml><?xml version="1.0" encoding="utf-8"?>
@@ -3065,11 +3503,7 @@
             <a:pPr algn="r"/>
             <a:r>
               <a:rPr lang="ru-RU" dirty="0" smtClean="0"/>
-              <a:t>Проект выполнен </a:t>
-            </a:r>
-            <a:r>
-              <a:rPr lang="ru-RU" dirty="0" smtClean="0"/>
-              <a:t>учениками </a:t>
+              <a:t>Проект выполнен учениками </a:t>
             </a:r>
             <a:r>
               <a:rPr lang="ru-RU" dirty="0" err="1" smtClean="0">
@@ -3102,8 +3536,9 @@
             </a:r>
             <a:r>
               <a:rPr lang="ru-RU" dirty="0" smtClean="0"/>
-              <a:t>Ильёй,</a:t>
-            </a:r>
+              <a:t>Ильёй</a:t>
+            </a:r>
+            <a:endParaRPr lang="ru-RU" dirty="0" smtClean="0"/>
           </a:p>
           <a:p>
             <a:pPr algn="r"/>
@@ -3272,7 +3707,7 @@
           <p:nvPr/>
         </p:nvPicPr>
         <p:blipFill>
-          <a:blip r:embed="rId2"/>
+          <a:blip r:embed="rId3"/>
           <a:stretch>
             <a:fillRect/>
           </a:stretch>
@@ -3359,7 +3794,22 @@
               <a:rPr lang="en-US" sz="1200" dirty="0" smtClean="0"/>
               <a:t>/</a:t>
             </a:r>
-            <a:endParaRPr lang="en-US" sz="2000" dirty="0" smtClean="0"/>
+          </a:p>
+          <a:p>
+            <a:pPr lvl="2"/>
+            <a:r>
+              <a:rPr lang="en-US" sz="1200" dirty="0" smtClean="0"/>
+              <a:t>Zoom </a:t>
+            </a:r>
+            <a:r>
+              <a:rPr lang="ru-RU" sz="1200" dirty="0" smtClean="0"/>
+              <a:t>на </a:t>
+            </a:r>
+            <a:r>
+              <a:rPr lang="en-US" sz="1200" dirty="0" smtClean="0"/>
+              <a:t>CTRL + SCROLL</a:t>
+            </a:r>
+            <a:endParaRPr lang="en-US" sz="1200" dirty="0" smtClean="0"/>
           </a:p>
           <a:p>
             <a:pPr marL="0" indent="0">
@@ -3956,11 +4406,7 @@
             <a:pPr algn="ctr"/>
             <a:r>
               <a:rPr lang="ru-RU" dirty="0" smtClean="0"/>
-              <a:t>Логика </a:t>
-            </a:r>
-            <a:r>
-              <a:rPr lang="ru-RU" dirty="0" smtClean="0"/>
-              <a:t>базы</a:t>
+              <a:t>Логика базы</a:t>
             </a:r>
             <a:endParaRPr lang="ru-RU" dirty="0"/>
           </a:p>
@@ -4025,14 +4471,14 @@
           <a:p>
             <a:pPr lvl="1"/>
             <a:r>
-              <a:rPr lang="ru-RU" sz="2200" dirty="0"/>
+              <a:rPr lang="ru-RU" sz="1900" dirty="0"/>
               <a:t>Если на ячейке, куда она передаёт энергию ничего нет, то энергия теряется.</a:t>
             </a:r>
           </a:p>
           <a:p>
             <a:pPr lvl="1"/>
             <a:r>
-              <a:rPr lang="ru-RU" sz="2200" dirty="0"/>
+              <a:rPr lang="ru-RU" sz="1900" dirty="0"/>
               <a:t>Если энергии у объекта, которому передаётся энергия, заполнено хранилище, то энергия теряется.</a:t>
             </a:r>
           </a:p>
@@ -4048,7 +4494,7 @@
           <a:p>
             <a:pPr lvl="1"/>
             <a:r>
-              <a:rPr lang="ru-RU" sz="2200" dirty="0"/>
+              <a:rPr lang="ru-RU" sz="1700" dirty="0"/>
               <a:t>Если у объекта, которому передаётся предмет, заполнено хранилище, то ресурс теряется.</a:t>
             </a:r>
           </a:p>
@@ -4066,8 +4512,35 @@
             </a:r>
             <a:r>
               <a:rPr lang="ru-RU" sz="2200" dirty="0"/>
-              <a:t> в котором указано может ли база сейчас выполнять то или иное действие.</a:t>
-            </a:r>
+              <a:t> в котором указано может ли база сейчас выполнять то или иное действие</a:t>
+            </a:r>
+            <a:r>
+              <a:rPr lang="ru-RU" sz="2200" dirty="0" smtClean="0"/>
+              <a:t>.</a:t>
+            </a:r>
+          </a:p>
+          <a:p>
+            <a:pPr marL="0" indent="0">
+              <a:buNone/>
+            </a:pPr>
+            <a:r>
+              <a:rPr lang="ru-RU" sz="2200" dirty="0"/>
+              <a:t>На </a:t>
+            </a:r>
+            <a:r>
+              <a:rPr lang="ru-RU" sz="2200" dirty="0" err="1"/>
+              <a:t>permissions</a:t>
+            </a:r>
+            <a:r>
+              <a:rPr lang="ru-RU" sz="2200" dirty="0"/>
+              <a:t> могут влиять другие объекты. </a:t>
+            </a:r>
+          </a:p>
+          <a:p>
+            <a:pPr marL="0" indent="0">
+              <a:buNone/>
+            </a:pPr>
+            <a:endParaRPr lang="ru-RU" sz="2200" dirty="0"/>
           </a:p>
           <a:p>
             <a:endParaRPr lang="ru-RU" dirty="0"/>
@@ -4121,6 +4594,14 @@
 <file path=ppt/slides/slide8.xml><?xml version="1.0" encoding="utf-8"?>
 <p:sld xmlns:a="http://schemas.openxmlformats.org/drawingml/2006/main" xmlns:r="http://schemas.openxmlformats.org/officeDocument/2006/relationships" xmlns:p="http://schemas.openxmlformats.org/presentationml/2006/main">
   <p:cSld>
+    <p:bg>
+      <p:bgPr>
+        <a:solidFill>
+          <a:srgbClr val="FFB900"/>
+        </a:solidFill>
+        <a:effectLst/>
+      </p:bgPr>
+    </p:bg>
     <p:spTree>
       <p:nvGrpSpPr>
         <p:cNvPr id="1" name=""/>
@@ -4135,6 +4616,30 @@
           <a:chExt cx="0" cy="0"/>
         </a:xfrm>
       </p:grpSpPr>
+      <p:pic>
+        <p:nvPicPr>
+          <p:cNvPr id="5" name="Рисунок 4"/>
+          <p:cNvPicPr>
+            <a:picLocks noChangeAspect="1"/>
+          </p:cNvPicPr>
+          <p:nvPr/>
+        </p:nvPicPr>
+        <p:blipFill>
+          <a:blip r:embed="rId2"/>
+          <a:stretch>
+            <a:fillRect/>
+          </a:stretch>
+        </p:blipFill>
+        <p:spPr>
+          <a:xfrm>
+            <a:off x="4841191" y="1443764"/>
+            <a:ext cx="7059324" cy="4231187"/>
+          </a:xfrm>
+          <a:prstGeom prst="rect">
+            <a:avLst/>
+          </a:prstGeom>
+        </p:spPr>
+      </p:pic>
       <p:sp>
         <p:nvSpPr>
           <p:cNvPr id="2" name="Заголовок 1"/>
@@ -4145,12 +4650,28 @@
             <p:ph type="title"/>
           </p:nvPr>
         </p:nvSpPr>
-        <p:spPr/>
-        <p:txBody>
-          <a:bodyPr/>
-          <a:lstStyle/>
-          <a:p>
-            <a:endParaRPr lang="ru-RU"/>
+        <p:spPr>
+          <a:xfrm>
+            <a:off x="838200" y="365126"/>
+            <a:ext cx="10515600" cy="610234"/>
+          </a:xfrm>
+        </p:spPr>
+        <p:txBody>
+          <a:bodyPr>
+            <a:normAutofit fontScale="90000"/>
+          </a:bodyPr>
+          <a:lstStyle/>
+          <a:p>
+            <a:pPr algn="ctr"/>
+            <a:r>
+              <a:rPr lang="ru-RU" dirty="0" smtClean="0"/>
+              <a:t>Логика </a:t>
+            </a:r>
+            <a:r>
+              <a:rPr lang="ru-RU" dirty="0" smtClean="0"/>
+              <a:t>роботов</a:t>
+            </a:r>
+            <a:endParaRPr lang="ru-RU" dirty="0"/>
           </a:p>
         </p:txBody>
       </p:sp>
@@ -4164,25 +4685,760 @@
             <p:ph idx="1"/>
           </p:nvPr>
         </p:nvSpPr>
-        <p:spPr/>
-        <p:txBody>
-          <a:bodyPr/>
-          <a:lstStyle/>
-          <a:p>
-            <a:endParaRPr lang="ru-RU"/>
+        <p:spPr>
+          <a:xfrm>
+            <a:off x="548762" y="975360"/>
+            <a:ext cx="4292429" cy="5289022"/>
+          </a:xfrm>
+        </p:spPr>
+        <p:txBody>
+          <a:bodyPr>
+            <a:normAutofit lnSpcReduction="10000"/>
+          </a:bodyPr>
+          <a:lstStyle/>
+          <a:p>
+            <a:pPr marL="0" indent="0">
+              <a:buNone/>
+            </a:pPr>
+            <a:r>
+              <a:rPr lang="ru-RU" sz="2200" dirty="0"/>
+              <a:t>Если робот (А) </a:t>
+            </a:r>
+            <a:r>
+              <a:rPr lang="ru-RU" sz="2200" i="1" dirty="0"/>
+              <a:t>наступает на ячейку</a:t>
+            </a:r>
+            <a:r>
+              <a:rPr lang="ru-RU" sz="2200" dirty="0"/>
+              <a:t>, где находится робот (В), то робот (В) </a:t>
+            </a:r>
+            <a:r>
+              <a:rPr lang="ru-RU" sz="2200" b="1" dirty="0"/>
+              <a:t>уничтожается</a:t>
+            </a:r>
+            <a:r>
+              <a:rPr lang="ru-RU" sz="2200" dirty="0"/>
+              <a:t>.</a:t>
+            </a:r>
+          </a:p>
+          <a:p>
+            <a:pPr marL="0" indent="0">
+              <a:buNone/>
+            </a:pPr>
+            <a:r>
+              <a:rPr lang="ru-RU" sz="2200" dirty="0"/>
+              <a:t>Если робот (А) </a:t>
+            </a:r>
+            <a:r>
+              <a:rPr lang="ru-RU" sz="2200" i="1" dirty="0"/>
+              <a:t>наступает на ячейку</a:t>
+            </a:r>
+            <a:r>
+              <a:rPr lang="ru-RU" sz="2200" dirty="0"/>
+              <a:t>, где находится строение, то робот (А) </a:t>
+            </a:r>
+            <a:r>
+              <a:rPr lang="ru-RU" sz="2200" b="1" dirty="0"/>
+              <a:t>уничтожается</a:t>
+            </a:r>
+            <a:r>
+              <a:rPr lang="ru-RU" sz="2200" dirty="0"/>
+              <a:t>.</a:t>
+            </a:r>
+          </a:p>
+          <a:p>
+            <a:pPr marL="0" indent="0">
+              <a:buNone/>
+            </a:pPr>
+            <a:r>
+              <a:rPr lang="ru-RU" sz="2200" dirty="0"/>
+              <a:t>Робот передаёт предметы в неограниченном </a:t>
+            </a:r>
+            <a:r>
+              <a:rPr lang="ru-RU" sz="2200" dirty="0" smtClean="0"/>
+              <a:t>количестве</a:t>
+            </a:r>
+          </a:p>
+          <a:p>
+            <a:pPr lvl="1"/>
+            <a:r>
+              <a:rPr lang="ru-RU" sz="1700" dirty="0" smtClean="0"/>
+              <a:t>Если </a:t>
+            </a:r>
+            <a:r>
+              <a:rPr lang="ru-RU" sz="1700" dirty="0"/>
+              <a:t>у объекта, которому передаётся предмет, заполнено хранилище, то ресурс теряется.</a:t>
+            </a:r>
+          </a:p>
+          <a:p>
+            <a:pPr marL="0" indent="0">
+              <a:buNone/>
+            </a:pPr>
+            <a:r>
+              <a:rPr lang="ru-RU" sz="2200" dirty="0" smtClean="0"/>
+              <a:t>У </a:t>
+            </a:r>
+            <a:r>
+              <a:rPr lang="ru-RU" sz="2200" dirty="0"/>
+              <a:t>робота есть </a:t>
+            </a:r>
+            <a:r>
+              <a:rPr lang="ru-RU" sz="2200" dirty="0" err="1"/>
+              <a:t>permissions</a:t>
+            </a:r>
+            <a:r>
+              <a:rPr lang="ru-RU" sz="2200" dirty="0"/>
+              <a:t> в котором указано может ли робот сейчас выполнять то или иное действие</a:t>
+            </a:r>
+            <a:r>
+              <a:rPr lang="ru-RU" sz="2200" dirty="0" smtClean="0"/>
+              <a:t>.</a:t>
+            </a:r>
+          </a:p>
+          <a:p>
+            <a:pPr marL="0" indent="0">
+              <a:buNone/>
+            </a:pPr>
+            <a:r>
+              <a:rPr lang="ru-RU" sz="2200" dirty="0"/>
+              <a:t>На </a:t>
+            </a:r>
+            <a:r>
+              <a:rPr lang="ru-RU" sz="2200" dirty="0" err="1"/>
+              <a:t>permissions</a:t>
+            </a:r>
+            <a:r>
+              <a:rPr lang="ru-RU" sz="2200" dirty="0"/>
+              <a:t> могут влиять другие объекты. </a:t>
+            </a:r>
+          </a:p>
+          <a:p>
+            <a:pPr marL="0" indent="0">
+              <a:buNone/>
+            </a:pPr>
+            <a:endParaRPr lang="ru-RU" sz="2400" dirty="0"/>
+          </a:p>
+          <a:p>
+            <a:endParaRPr lang="ru-RU" dirty="0"/>
           </a:p>
         </p:txBody>
       </p:sp>
     </p:spTree>
     <p:extLst>
       <p:ext uri="{BB962C8B-B14F-4D97-AF65-F5344CB8AC3E}">
-        <p14:creationId xmlns:p14="http://schemas.microsoft.com/office/powerpoint/2010/main" val="1526468329"/>
+        <p14:creationId xmlns:p14="http://schemas.microsoft.com/office/powerpoint/2010/main" val="280997893"/>
       </p:ext>
     </p:extLst>
   </p:cSld>
   <p:clrMapOvr>
     <a:masterClrMapping/>
   </p:clrMapOvr>
+  <p:timing>
+    <p:tnLst>
+      <p:par>
+        <p:cTn id="1" dur="indefinite" restart="never" nodeType="tmRoot"/>
+      </p:par>
+    </p:tnLst>
+  </p:timing>
+</p:sld>
+</file>
+
+<file path=ppt/slides/slide9.xml><?xml version="1.0" encoding="utf-8"?>
+<p:sld xmlns:a="http://schemas.openxmlformats.org/drawingml/2006/main" xmlns:r="http://schemas.openxmlformats.org/officeDocument/2006/relationships" xmlns:p="http://schemas.openxmlformats.org/presentationml/2006/main">
+  <p:cSld>
+    <p:bg>
+      <p:bgPr>
+        <a:solidFill>
+          <a:srgbClr val="6EA6CF"/>
+        </a:solidFill>
+        <a:effectLst/>
+      </p:bgPr>
+    </p:bg>
+    <p:spTree>
+      <p:nvGrpSpPr>
+        <p:cNvPr id="1" name=""/>
+        <p:cNvGrpSpPr/>
+        <p:nvPr/>
+      </p:nvGrpSpPr>
+      <p:grpSpPr>
+        <a:xfrm>
+          <a:off x="0" y="0"/>
+          <a:ext cx="0" cy="0"/>
+          <a:chOff x="0" y="0"/>
+          <a:chExt cx="0" cy="0"/>
+        </a:xfrm>
+      </p:grpSpPr>
+      <p:sp>
+        <p:nvSpPr>
+          <p:cNvPr id="2" name="Заголовок 1"/>
+          <p:cNvSpPr>
+            <a:spLocks noGrp="1"/>
+          </p:cNvSpPr>
+          <p:nvPr>
+            <p:ph type="title"/>
+          </p:nvPr>
+        </p:nvSpPr>
+        <p:spPr/>
+        <p:txBody>
+          <a:bodyPr/>
+          <a:lstStyle/>
+          <a:p>
+            <a:pPr algn="ctr"/>
+            <a:r>
+              <a:rPr lang="ru-RU" dirty="0" smtClean="0"/>
+              <a:t>Разделение работы</a:t>
+            </a:r>
+            <a:endParaRPr lang="ru-RU" dirty="0"/>
+          </a:p>
+        </p:txBody>
+      </p:sp>
+      <p:sp>
+        <p:nvSpPr>
+          <p:cNvPr id="3" name="Объект 2"/>
+          <p:cNvSpPr>
+            <a:spLocks noGrp="1"/>
+          </p:cNvSpPr>
+          <p:nvPr>
+            <p:ph idx="1"/>
+          </p:nvPr>
+        </p:nvSpPr>
+        <p:spPr>
+          <a:xfrm>
+            <a:off x="6802644" y="1804556"/>
+            <a:ext cx="4551156" cy="4351338"/>
+          </a:xfrm>
+        </p:spPr>
+        <p:txBody>
+          <a:bodyPr/>
+          <a:lstStyle/>
+          <a:p>
+            <a:pPr marL="0" indent="0" algn="ctr">
+              <a:buNone/>
+            </a:pPr>
+            <a:r>
+              <a:rPr lang="en-US" b="1" i="1" dirty="0" smtClean="0"/>
+              <a:t>Team leader</a:t>
+            </a:r>
+            <a:r>
+              <a:rPr lang="en-US" dirty="0" smtClean="0"/>
+              <a:t> </a:t>
+            </a:r>
+            <a:r>
+              <a:rPr lang="ru-RU" dirty="0" smtClean="0"/>
+              <a:t> Илья</a:t>
+            </a:r>
+            <a:endParaRPr lang="en-US" dirty="0" smtClean="0"/>
+          </a:p>
+          <a:p>
+            <a:r>
+              <a:rPr lang="ru-RU" dirty="0" smtClean="0"/>
+              <a:t>Логика окон</a:t>
+            </a:r>
+          </a:p>
+          <a:p>
+            <a:r>
+              <a:rPr lang="en-US" dirty="0" smtClean="0"/>
+              <a:t>Main </a:t>
+            </a:r>
+            <a:r>
+              <a:rPr lang="ru-RU" dirty="0" smtClean="0"/>
+              <a:t>логика</a:t>
+            </a:r>
+          </a:p>
+          <a:p>
+            <a:r>
+              <a:rPr lang="ru-RU" dirty="0" smtClean="0"/>
+              <a:t>Взаимодействие</a:t>
+            </a:r>
+            <a:r>
+              <a:rPr lang="en-US" dirty="0" smtClean="0"/>
+              <a:t> </a:t>
+            </a:r>
+            <a:r>
+              <a:rPr lang="ru-RU" dirty="0" smtClean="0"/>
+              <a:t>объектов</a:t>
+            </a:r>
+          </a:p>
+          <a:p>
+            <a:r>
+              <a:rPr lang="ru-RU" dirty="0" smtClean="0"/>
+              <a:t>Обработка </a:t>
+            </a:r>
+            <a:r>
+              <a:rPr lang="en-US" dirty="0" smtClean="0"/>
+              <a:t>user </a:t>
+            </a:r>
+            <a:r>
+              <a:rPr lang="ru-RU" dirty="0" smtClean="0"/>
+              <a:t>кода</a:t>
+            </a:r>
+          </a:p>
+          <a:p>
+            <a:r>
+              <a:rPr lang="ru-RU" dirty="0" smtClean="0"/>
+              <a:t>Сектор</a:t>
+            </a:r>
+          </a:p>
+          <a:p>
+            <a:r>
+              <a:rPr lang="ru-RU" dirty="0" err="1" smtClean="0"/>
+              <a:t>Виджеты</a:t>
+            </a:r>
+            <a:endParaRPr lang="ru-RU" dirty="0"/>
+          </a:p>
+        </p:txBody>
+      </p:sp>
+      <p:sp>
+        <p:nvSpPr>
+          <p:cNvPr id="4" name="Объект 2"/>
+          <p:cNvSpPr txBox="1">
+            <a:spLocks/>
+          </p:cNvSpPr>
+          <p:nvPr/>
+        </p:nvSpPr>
+        <p:spPr>
+          <a:xfrm>
+            <a:off x="964615" y="1804556"/>
+            <a:ext cx="4125686" cy="4351338"/>
+          </a:xfrm>
+          <a:prstGeom prst="rect">
+            <a:avLst/>
+          </a:prstGeom>
+        </p:spPr>
+        <p:txBody>
+          <a:bodyPr vert="horz" lIns="91440" tIns="45720" rIns="91440" bIns="45720" rtlCol="0">
+            <a:normAutofit/>
+          </a:bodyPr>
+          <a:lstStyle>
+            <a:lvl1pPr marL="228600" indent="-228600" algn="l" defTabSz="914400" rtl="0" eaLnBrk="1" latinLnBrk="0" hangingPunct="1">
+              <a:lnSpc>
+                <a:spcPct val="90000"/>
+              </a:lnSpc>
+              <a:spcBef>
+                <a:spcPts val="1000"/>
+              </a:spcBef>
+              <a:buFont typeface="Arial" panose="020B0604020202020204" pitchFamily="34" charset="0"/>
+              <a:buChar char="•"/>
+              <a:defRPr sz="2800" kern="1200">
+                <a:solidFill>
+                  <a:schemeClr val="tx1"/>
+                </a:solidFill>
+                <a:latin typeface="+mn-lt"/>
+                <a:ea typeface="+mn-ea"/>
+                <a:cs typeface="+mn-cs"/>
+              </a:defRPr>
+            </a:lvl1pPr>
+            <a:lvl2pPr marL="685800" indent="-228600" algn="l" defTabSz="914400" rtl="0" eaLnBrk="1" latinLnBrk="0" hangingPunct="1">
+              <a:lnSpc>
+                <a:spcPct val="90000"/>
+              </a:lnSpc>
+              <a:spcBef>
+                <a:spcPts val="500"/>
+              </a:spcBef>
+              <a:buFont typeface="Arial" panose="020B0604020202020204" pitchFamily="34" charset="0"/>
+              <a:buChar char="•"/>
+              <a:defRPr sz="2400" kern="1200">
+                <a:solidFill>
+                  <a:schemeClr val="tx1"/>
+                </a:solidFill>
+                <a:latin typeface="+mn-lt"/>
+                <a:ea typeface="+mn-ea"/>
+                <a:cs typeface="+mn-cs"/>
+              </a:defRPr>
+            </a:lvl2pPr>
+            <a:lvl3pPr marL="1143000" indent="-228600" algn="l" defTabSz="914400" rtl="0" eaLnBrk="1" latinLnBrk="0" hangingPunct="1">
+              <a:lnSpc>
+                <a:spcPct val="90000"/>
+              </a:lnSpc>
+              <a:spcBef>
+                <a:spcPts val="500"/>
+              </a:spcBef>
+              <a:buFont typeface="Arial" panose="020B0604020202020204" pitchFamily="34" charset="0"/>
+              <a:buChar char="•"/>
+              <a:defRPr sz="2000" kern="1200">
+                <a:solidFill>
+                  <a:schemeClr val="tx1"/>
+                </a:solidFill>
+                <a:latin typeface="+mn-lt"/>
+                <a:ea typeface="+mn-ea"/>
+                <a:cs typeface="+mn-cs"/>
+              </a:defRPr>
+            </a:lvl3pPr>
+            <a:lvl4pPr marL="1600200" indent="-228600" algn="l" defTabSz="914400" rtl="0" eaLnBrk="1" latinLnBrk="0" hangingPunct="1">
+              <a:lnSpc>
+                <a:spcPct val="90000"/>
+              </a:lnSpc>
+              <a:spcBef>
+                <a:spcPts val="500"/>
+              </a:spcBef>
+              <a:buFont typeface="Arial" panose="020B0604020202020204" pitchFamily="34" charset="0"/>
+              <a:buChar char="•"/>
+              <a:defRPr sz="1800" kern="1200">
+                <a:solidFill>
+                  <a:schemeClr val="tx1"/>
+                </a:solidFill>
+                <a:latin typeface="+mn-lt"/>
+                <a:ea typeface="+mn-ea"/>
+                <a:cs typeface="+mn-cs"/>
+              </a:defRPr>
+            </a:lvl4pPr>
+            <a:lvl5pPr marL="2057400" indent="-228600" algn="l" defTabSz="914400" rtl="0" eaLnBrk="1" latinLnBrk="0" hangingPunct="1">
+              <a:lnSpc>
+                <a:spcPct val="90000"/>
+              </a:lnSpc>
+              <a:spcBef>
+                <a:spcPts val="500"/>
+              </a:spcBef>
+              <a:buFont typeface="Arial" panose="020B0604020202020204" pitchFamily="34" charset="0"/>
+              <a:buChar char="•"/>
+              <a:defRPr sz="1800" kern="1200">
+                <a:solidFill>
+                  <a:schemeClr val="tx1"/>
+                </a:solidFill>
+                <a:latin typeface="+mn-lt"/>
+                <a:ea typeface="+mn-ea"/>
+                <a:cs typeface="+mn-cs"/>
+              </a:defRPr>
+            </a:lvl5pPr>
+            <a:lvl6pPr marL="2514600" indent="-228600" algn="l" defTabSz="914400" rtl="0" eaLnBrk="1" latinLnBrk="0" hangingPunct="1">
+              <a:lnSpc>
+                <a:spcPct val="90000"/>
+              </a:lnSpc>
+              <a:spcBef>
+                <a:spcPts val="500"/>
+              </a:spcBef>
+              <a:buFont typeface="Arial" panose="020B0604020202020204" pitchFamily="34" charset="0"/>
+              <a:buChar char="•"/>
+              <a:defRPr sz="1800" kern="1200">
+                <a:solidFill>
+                  <a:schemeClr val="tx1"/>
+                </a:solidFill>
+                <a:latin typeface="+mn-lt"/>
+                <a:ea typeface="+mn-ea"/>
+                <a:cs typeface="+mn-cs"/>
+              </a:defRPr>
+            </a:lvl6pPr>
+            <a:lvl7pPr marL="2971800" indent="-228600" algn="l" defTabSz="914400" rtl="0" eaLnBrk="1" latinLnBrk="0" hangingPunct="1">
+              <a:lnSpc>
+                <a:spcPct val="90000"/>
+              </a:lnSpc>
+              <a:spcBef>
+                <a:spcPts val="500"/>
+              </a:spcBef>
+              <a:buFont typeface="Arial" panose="020B0604020202020204" pitchFamily="34" charset="0"/>
+              <a:buChar char="•"/>
+              <a:defRPr sz="1800" kern="1200">
+                <a:solidFill>
+                  <a:schemeClr val="tx1"/>
+                </a:solidFill>
+                <a:latin typeface="+mn-lt"/>
+                <a:ea typeface="+mn-ea"/>
+                <a:cs typeface="+mn-cs"/>
+              </a:defRPr>
+            </a:lvl7pPr>
+            <a:lvl8pPr marL="3429000" indent="-228600" algn="l" defTabSz="914400" rtl="0" eaLnBrk="1" latinLnBrk="0" hangingPunct="1">
+              <a:lnSpc>
+                <a:spcPct val="90000"/>
+              </a:lnSpc>
+              <a:spcBef>
+                <a:spcPts val="500"/>
+              </a:spcBef>
+              <a:buFont typeface="Arial" panose="020B0604020202020204" pitchFamily="34" charset="0"/>
+              <a:buChar char="•"/>
+              <a:defRPr sz="1800" kern="1200">
+                <a:solidFill>
+                  <a:schemeClr val="tx1"/>
+                </a:solidFill>
+                <a:latin typeface="+mn-lt"/>
+                <a:ea typeface="+mn-ea"/>
+                <a:cs typeface="+mn-cs"/>
+              </a:defRPr>
+            </a:lvl8pPr>
+            <a:lvl9pPr marL="3886200" indent="-228600" algn="l" defTabSz="914400" rtl="0" eaLnBrk="1" latinLnBrk="0" hangingPunct="1">
+              <a:lnSpc>
+                <a:spcPct val="90000"/>
+              </a:lnSpc>
+              <a:spcBef>
+                <a:spcPts val="500"/>
+              </a:spcBef>
+              <a:buFont typeface="Arial" panose="020B0604020202020204" pitchFamily="34" charset="0"/>
+              <a:buChar char="•"/>
+              <a:defRPr sz="1800" kern="1200">
+                <a:solidFill>
+                  <a:schemeClr val="tx1"/>
+                </a:solidFill>
+                <a:latin typeface="+mn-lt"/>
+                <a:ea typeface="+mn-ea"/>
+                <a:cs typeface="+mn-cs"/>
+              </a:defRPr>
+            </a:lvl9pPr>
+          </a:lstStyle>
+          <a:p>
+            <a:endParaRPr lang="ru-RU" dirty="0"/>
+          </a:p>
+        </p:txBody>
+      </p:sp>
+      <p:sp>
+        <p:nvSpPr>
+          <p:cNvPr id="5" name="Объект 2"/>
+          <p:cNvSpPr txBox="1">
+            <a:spLocks/>
+          </p:cNvSpPr>
+          <p:nvPr/>
+        </p:nvSpPr>
+        <p:spPr>
+          <a:xfrm>
+            <a:off x="838200" y="1804556"/>
+            <a:ext cx="4430876" cy="4351338"/>
+          </a:xfrm>
+          <a:prstGeom prst="rect">
+            <a:avLst/>
+          </a:prstGeom>
+        </p:spPr>
+        <p:txBody>
+          <a:bodyPr vert="horz" lIns="91440" tIns="45720" rIns="91440" bIns="45720" rtlCol="0">
+            <a:normAutofit/>
+          </a:bodyPr>
+          <a:lstStyle>
+            <a:lvl1pPr marL="228600" indent="-228600" algn="l" defTabSz="914400" rtl="0" eaLnBrk="1" latinLnBrk="0" hangingPunct="1">
+              <a:lnSpc>
+                <a:spcPct val="90000"/>
+              </a:lnSpc>
+              <a:spcBef>
+                <a:spcPts val="1000"/>
+              </a:spcBef>
+              <a:buFont typeface="Arial" panose="020B0604020202020204" pitchFamily="34" charset="0"/>
+              <a:buChar char="•"/>
+              <a:defRPr sz="2800" kern="1200">
+                <a:solidFill>
+                  <a:schemeClr val="tx1"/>
+                </a:solidFill>
+                <a:latin typeface="+mn-lt"/>
+                <a:ea typeface="+mn-ea"/>
+                <a:cs typeface="+mn-cs"/>
+              </a:defRPr>
+            </a:lvl1pPr>
+            <a:lvl2pPr marL="685800" indent="-228600" algn="l" defTabSz="914400" rtl="0" eaLnBrk="1" latinLnBrk="0" hangingPunct="1">
+              <a:lnSpc>
+                <a:spcPct val="90000"/>
+              </a:lnSpc>
+              <a:spcBef>
+                <a:spcPts val="500"/>
+              </a:spcBef>
+              <a:buFont typeface="Arial" panose="020B0604020202020204" pitchFamily="34" charset="0"/>
+              <a:buChar char="•"/>
+              <a:defRPr sz="2400" kern="1200">
+                <a:solidFill>
+                  <a:schemeClr val="tx1"/>
+                </a:solidFill>
+                <a:latin typeface="+mn-lt"/>
+                <a:ea typeface="+mn-ea"/>
+                <a:cs typeface="+mn-cs"/>
+              </a:defRPr>
+            </a:lvl2pPr>
+            <a:lvl3pPr marL="1143000" indent="-228600" algn="l" defTabSz="914400" rtl="0" eaLnBrk="1" latinLnBrk="0" hangingPunct="1">
+              <a:lnSpc>
+                <a:spcPct val="90000"/>
+              </a:lnSpc>
+              <a:spcBef>
+                <a:spcPts val="500"/>
+              </a:spcBef>
+              <a:buFont typeface="Arial" panose="020B0604020202020204" pitchFamily="34" charset="0"/>
+              <a:buChar char="•"/>
+              <a:defRPr sz="2000" kern="1200">
+                <a:solidFill>
+                  <a:schemeClr val="tx1"/>
+                </a:solidFill>
+                <a:latin typeface="+mn-lt"/>
+                <a:ea typeface="+mn-ea"/>
+                <a:cs typeface="+mn-cs"/>
+              </a:defRPr>
+            </a:lvl3pPr>
+            <a:lvl4pPr marL="1600200" indent="-228600" algn="l" defTabSz="914400" rtl="0" eaLnBrk="1" latinLnBrk="0" hangingPunct="1">
+              <a:lnSpc>
+                <a:spcPct val="90000"/>
+              </a:lnSpc>
+              <a:spcBef>
+                <a:spcPts val="500"/>
+              </a:spcBef>
+              <a:buFont typeface="Arial" panose="020B0604020202020204" pitchFamily="34" charset="0"/>
+              <a:buChar char="•"/>
+              <a:defRPr sz="1800" kern="1200">
+                <a:solidFill>
+                  <a:schemeClr val="tx1"/>
+                </a:solidFill>
+                <a:latin typeface="+mn-lt"/>
+                <a:ea typeface="+mn-ea"/>
+                <a:cs typeface="+mn-cs"/>
+              </a:defRPr>
+            </a:lvl4pPr>
+            <a:lvl5pPr marL="2057400" indent="-228600" algn="l" defTabSz="914400" rtl="0" eaLnBrk="1" latinLnBrk="0" hangingPunct="1">
+              <a:lnSpc>
+                <a:spcPct val="90000"/>
+              </a:lnSpc>
+              <a:spcBef>
+                <a:spcPts val="500"/>
+              </a:spcBef>
+              <a:buFont typeface="Arial" panose="020B0604020202020204" pitchFamily="34" charset="0"/>
+              <a:buChar char="•"/>
+              <a:defRPr sz="1800" kern="1200">
+                <a:solidFill>
+                  <a:schemeClr val="tx1"/>
+                </a:solidFill>
+                <a:latin typeface="+mn-lt"/>
+                <a:ea typeface="+mn-ea"/>
+                <a:cs typeface="+mn-cs"/>
+              </a:defRPr>
+            </a:lvl5pPr>
+            <a:lvl6pPr marL="2514600" indent="-228600" algn="l" defTabSz="914400" rtl="0" eaLnBrk="1" latinLnBrk="0" hangingPunct="1">
+              <a:lnSpc>
+                <a:spcPct val="90000"/>
+              </a:lnSpc>
+              <a:spcBef>
+                <a:spcPts val="500"/>
+              </a:spcBef>
+              <a:buFont typeface="Arial" panose="020B0604020202020204" pitchFamily="34" charset="0"/>
+              <a:buChar char="•"/>
+              <a:defRPr sz="1800" kern="1200">
+                <a:solidFill>
+                  <a:schemeClr val="tx1"/>
+                </a:solidFill>
+                <a:latin typeface="+mn-lt"/>
+                <a:ea typeface="+mn-ea"/>
+                <a:cs typeface="+mn-cs"/>
+              </a:defRPr>
+            </a:lvl6pPr>
+            <a:lvl7pPr marL="2971800" indent="-228600" algn="l" defTabSz="914400" rtl="0" eaLnBrk="1" latinLnBrk="0" hangingPunct="1">
+              <a:lnSpc>
+                <a:spcPct val="90000"/>
+              </a:lnSpc>
+              <a:spcBef>
+                <a:spcPts val="500"/>
+              </a:spcBef>
+              <a:buFont typeface="Arial" panose="020B0604020202020204" pitchFamily="34" charset="0"/>
+              <a:buChar char="•"/>
+              <a:defRPr sz="1800" kern="1200">
+                <a:solidFill>
+                  <a:schemeClr val="tx1"/>
+                </a:solidFill>
+                <a:latin typeface="+mn-lt"/>
+                <a:ea typeface="+mn-ea"/>
+                <a:cs typeface="+mn-cs"/>
+              </a:defRPr>
+            </a:lvl7pPr>
+            <a:lvl8pPr marL="3429000" indent="-228600" algn="l" defTabSz="914400" rtl="0" eaLnBrk="1" latinLnBrk="0" hangingPunct="1">
+              <a:lnSpc>
+                <a:spcPct val="90000"/>
+              </a:lnSpc>
+              <a:spcBef>
+                <a:spcPts val="500"/>
+              </a:spcBef>
+              <a:buFont typeface="Arial" panose="020B0604020202020204" pitchFamily="34" charset="0"/>
+              <a:buChar char="•"/>
+              <a:defRPr sz="1800" kern="1200">
+                <a:solidFill>
+                  <a:schemeClr val="tx1"/>
+                </a:solidFill>
+                <a:latin typeface="+mn-lt"/>
+                <a:ea typeface="+mn-ea"/>
+                <a:cs typeface="+mn-cs"/>
+              </a:defRPr>
+            </a:lvl8pPr>
+            <a:lvl9pPr marL="3886200" indent="-228600" algn="l" defTabSz="914400" rtl="0" eaLnBrk="1" latinLnBrk="0" hangingPunct="1">
+              <a:lnSpc>
+                <a:spcPct val="90000"/>
+              </a:lnSpc>
+              <a:spcBef>
+                <a:spcPts val="500"/>
+              </a:spcBef>
+              <a:buFont typeface="Arial" panose="020B0604020202020204" pitchFamily="34" charset="0"/>
+              <a:buChar char="•"/>
+              <a:defRPr sz="1800" kern="1200">
+                <a:solidFill>
+                  <a:schemeClr val="tx1"/>
+                </a:solidFill>
+                <a:latin typeface="+mn-lt"/>
+                <a:ea typeface="+mn-ea"/>
+                <a:cs typeface="+mn-cs"/>
+              </a:defRPr>
+            </a:lvl9pPr>
+          </a:lstStyle>
+          <a:p>
+            <a:pPr marL="0" indent="0" algn="ctr">
+              <a:buNone/>
+            </a:pPr>
+            <a:r>
+              <a:rPr lang="en-US" b="1" i="1" dirty="0" smtClean="0"/>
+              <a:t>Developer </a:t>
+            </a:r>
+            <a:r>
+              <a:rPr lang="ru-RU" dirty="0" smtClean="0"/>
+              <a:t>Екатерина</a:t>
+            </a:r>
+            <a:endParaRPr lang="en-US" dirty="0" smtClean="0"/>
+          </a:p>
+          <a:p>
+            <a:r>
+              <a:rPr lang="ru-RU" dirty="0" smtClean="0"/>
+              <a:t>Интерфейс</a:t>
+            </a:r>
+          </a:p>
+          <a:p>
+            <a:r>
+              <a:rPr lang="ru-RU" dirty="0" smtClean="0"/>
+              <a:t>Музыка </a:t>
+            </a:r>
+          </a:p>
+          <a:p>
+            <a:r>
+              <a:rPr lang="ru-RU" dirty="0" smtClean="0"/>
+              <a:t>Звуки</a:t>
+            </a:r>
+          </a:p>
+          <a:p>
+            <a:r>
+              <a:rPr lang="en-US" dirty="0" smtClean="0"/>
+              <a:t>Ticker (processor)</a:t>
+            </a:r>
+            <a:endParaRPr lang="ru-RU" dirty="0" smtClean="0"/>
+          </a:p>
+          <a:p>
+            <a:r>
+              <a:rPr lang="ru-RU" dirty="0" smtClean="0"/>
+              <a:t>Меню</a:t>
+            </a:r>
+          </a:p>
+          <a:p>
+            <a:r>
+              <a:rPr lang="ru-RU" dirty="0" smtClean="0"/>
+              <a:t>Настройки</a:t>
+            </a:r>
+          </a:p>
+          <a:p>
+            <a:endParaRPr lang="ru-RU" dirty="0" smtClean="0"/>
+          </a:p>
+          <a:p>
+            <a:endParaRPr lang="ru-RU" dirty="0"/>
+          </a:p>
+        </p:txBody>
+      </p:sp>
+    </p:spTree>
+    <p:extLst>
+      <p:ext uri="{BB962C8B-B14F-4D97-AF65-F5344CB8AC3E}">
+        <p14:creationId xmlns:p14="http://schemas.microsoft.com/office/powerpoint/2010/main" val="2184619385"/>
+      </p:ext>
+    </p:extLst>
+  </p:cSld>
+  <p:clrMapOvr>
+    <a:masterClrMapping/>
+  </p:clrMapOvr>
+  <p:timing>
+    <p:tnLst>
+      <p:par>
+        <p:cTn id="1" dur="indefinite" restart="never" nodeType="tmRoot"/>
+      </p:par>
+    </p:tnLst>
+  </p:timing>
 </p:sld>
 </file>
 
@@ -4445,4 +5701,265 @@
     </a:ext>
   </a:extLst>
 </a:theme>
+</file>
+
+<file path=ppt/theme/theme2.xml><?xml version="1.0" encoding="utf-8"?>
+<a:theme xmlns:a="http://schemas.openxmlformats.org/drawingml/2006/main" name="Тема Office">
+  <a:themeElements>
+    <a:clrScheme name="Стандартная">
+      <a:dk1>
+        <a:sysClr val="windowText" lastClr="000000"/>
+      </a:dk1>
+      <a:lt1>
+        <a:sysClr val="window" lastClr="FFFFFF"/>
+      </a:lt1>
+      <a:dk2>
+        <a:srgbClr val="44546A"/>
+      </a:dk2>
+      <a:lt2>
+        <a:srgbClr val="E7E6E6"/>
+      </a:lt2>
+      <a:accent1>
+        <a:srgbClr val="5B9BD5"/>
+      </a:accent1>
+      <a:accent2>
+        <a:srgbClr val="ED7D31"/>
+      </a:accent2>
+      <a:accent3>
+        <a:srgbClr val="A5A5A5"/>
+      </a:accent3>
+      <a:accent4>
+        <a:srgbClr val="FFC000"/>
+      </a:accent4>
+      <a:accent5>
+        <a:srgbClr val="4472C4"/>
+      </a:accent5>
+      <a:accent6>
+        <a:srgbClr val="70AD47"/>
+      </a:accent6>
+      <a:hlink>
+        <a:srgbClr val="0563C1"/>
+      </a:hlink>
+      <a:folHlink>
+        <a:srgbClr val="954F72"/>
+      </a:folHlink>
+    </a:clrScheme>
+    <a:fontScheme name="Стандартная">
+      <a:majorFont>
+        <a:latin typeface="Calibri Light" panose="020F0302020204030204"/>
+        <a:ea typeface=""/>
+        <a:cs typeface=""/>
+        <a:font script="Jpan" typeface="ＭＳ Ｐゴシック"/>
+        <a:font script="Hang" typeface="맑은 고딕"/>
+        <a:font script="Hans" typeface="宋体"/>
+        <a:font script="Hant" typeface="新細明體"/>
+        <a:font script="Arab" typeface="Times New Roman"/>
+        <a:font script="Hebr" typeface="Times New Roman"/>
+        <a:font script="Thai" typeface="Angsana New"/>
+        <a:font script="Ethi" typeface="Nyala"/>
+        <a:font script="Beng" typeface="Vrinda"/>
+        <a:font script="Gujr" typeface="Shruti"/>
+        <a:font script="Khmr" typeface="MoolBoran"/>
+        <a:font script="Knda" typeface="Tunga"/>
+        <a:font script="Guru" typeface="Raavi"/>
+        <a:font script="Cans" typeface="Euphemia"/>
+        <a:font script="Cher" typeface="Plantagenet Cherokee"/>
+        <a:font script="Yiii" typeface="Microsoft Yi Baiti"/>
+        <a:font script="Tibt" typeface="Microsoft Himalaya"/>
+        <a:font script="Thaa" typeface="MV Boli"/>
+        <a:font script="Deva" typeface="Mangal"/>
+        <a:font script="Telu" typeface="Gautami"/>
+        <a:font script="Taml" typeface="Latha"/>
+        <a:font script="Syrc" typeface="Estrangelo Edessa"/>
+        <a:font script="Orya" typeface="Kalinga"/>
+        <a:font script="Mlym" typeface="Kartika"/>
+        <a:font script="Laoo" typeface="DokChampa"/>
+        <a:font script="Sinh" typeface="Iskoola Pota"/>
+        <a:font script="Mong" typeface="Mongolian Baiti"/>
+        <a:font script="Viet" typeface="Times New Roman"/>
+        <a:font script="Uigh" typeface="Microsoft Uighur"/>
+        <a:font script="Geor" typeface="Sylfaen"/>
+      </a:majorFont>
+      <a:minorFont>
+        <a:latin typeface="Calibri" panose="020F0502020204030204"/>
+        <a:ea typeface=""/>
+        <a:cs typeface=""/>
+        <a:font script="Jpan" typeface="ＭＳ Ｐゴシック"/>
+        <a:font script="Hang" typeface="맑은 고딕"/>
+        <a:font script="Hans" typeface="宋体"/>
+        <a:font script="Hant" typeface="新細明體"/>
+        <a:font script="Arab" typeface="Arial"/>
+        <a:font script="Hebr" typeface="Arial"/>
+        <a:font script="Thai" typeface="Cordia New"/>
+        <a:font script="Ethi" typeface="Nyala"/>
+        <a:font script="Beng" typeface="Vrinda"/>
+        <a:font script="Gujr" typeface="Shruti"/>
+        <a:font script="Khmr" typeface="DaunPenh"/>
+        <a:font script="Knda" typeface="Tunga"/>
+        <a:font script="Guru" typeface="Raavi"/>
+        <a:font script="Cans" typeface="Euphemia"/>
+        <a:font script="Cher" typeface="Plantagenet Cherokee"/>
+        <a:font script="Yiii" typeface="Microsoft Yi Baiti"/>
+        <a:font script="Tibt" typeface="Microsoft Himalaya"/>
+        <a:font script="Thaa" typeface="MV Boli"/>
+        <a:font script="Deva" typeface="Mangal"/>
+        <a:font script="Telu" typeface="Gautami"/>
+        <a:font script="Taml" typeface="Latha"/>
+        <a:font script="Syrc" typeface="Estrangelo Edessa"/>
+        <a:font script="Orya" typeface="Kalinga"/>
+        <a:font script="Mlym" typeface="Kartika"/>
+        <a:font script="Laoo" typeface="DokChampa"/>
+        <a:font script="Sinh" typeface="Iskoola Pota"/>
+        <a:font script="Mong" typeface="Mongolian Baiti"/>
+        <a:font script="Viet" typeface="Arial"/>
+        <a:font script="Uigh" typeface="Microsoft Uighur"/>
+        <a:font script="Geor" typeface="Sylfaen"/>
+      </a:minorFont>
+    </a:fontScheme>
+    <a:fmtScheme name="Стандартная">
+      <a:fillStyleLst>
+        <a:solidFill>
+          <a:schemeClr val="phClr"/>
+        </a:solidFill>
+        <a:gradFill rotWithShape="1">
+          <a:gsLst>
+            <a:gs pos="0">
+              <a:schemeClr val="phClr">
+                <a:lumMod val="110000"/>
+                <a:satMod val="105000"/>
+                <a:tint val="67000"/>
+              </a:schemeClr>
+            </a:gs>
+            <a:gs pos="50000">
+              <a:schemeClr val="phClr">
+                <a:lumMod val="105000"/>
+                <a:satMod val="103000"/>
+                <a:tint val="73000"/>
+              </a:schemeClr>
+            </a:gs>
+            <a:gs pos="100000">
+              <a:schemeClr val="phClr">
+                <a:lumMod val="105000"/>
+                <a:satMod val="109000"/>
+                <a:tint val="81000"/>
+              </a:schemeClr>
+            </a:gs>
+          </a:gsLst>
+          <a:lin ang="5400000" scaled="0"/>
+        </a:gradFill>
+        <a:gradFill rotWithShape="1">
+          <a:gsLst>
+            <a:gs pos="0">
+              <a:schemeClr val="phClr">
+                <a:satMod val="103000"/>
+                <a:lumMod val="102000"/>
+                <a:tint val="94000"/>
+              </a:schemeClr>
+            </a:gs>
+            <a:gs pos="50000">
+              <a:schemeClr val="phClr">
+                <a:satMod val="110000"/>
+                <a:lumMod val="100000"/>
+                <a:shade val="100000"/>
+              </a:schemeClr>
+            </a:gs>
+            <a:gs pos="100000">
+              <a:schemeClr val="phClr">
+                <a:lumMod val="99000"/>
+                <a:satMod val="120000"/>
+                <a:shade val="78000"/>
+              </a:schemeClr>
+            </a:gs>
+          </a:gsLst>
+          <a:lin ang="5400000" scaled="0"/>
+        </a:gradFill>
+      </a:fillStyleLst>
+      <a:lnStyleLst>
+        <a:ln w="6350" cap="flat" cmpd="sng" algn="ctr">
+          <a:solidFill>
+            <a:schemeClr val="phClr"/>
+          </a:solidFill>
+          <a:prstDash val="solid"/>
+          <a:miter lim="800000"/>
+        </a:ln>
+        <a:ln w="12700" cap="flat" cmpd="sng" algn="ctr">
+          <a:solidFill>
+            <a:schemeClr val="phClr"/>
+          </a:solidFill>
+          <a:prstDash val="solid"/>
+          <a:miter lim="800000"/>
+        </a:ln>
+        <a:ln w="19050" cap="flat" cmpd="sng" algn="ctr">
+          <a:solidFill>
+            <a:schemeClr val="phClr"/>
+          </a:solidFill>
+          <a:prstDash val="solid"/>
+          <a:miter lim="800000"/>
+        </a:ln>
+      </a:lnStyleLst>
+      <a:effectStyleLst>
+        <a:effectStyle>
+          <a:effectLst/>
+        </a:effectStyle>
+        <a:effectStyle>
+          <a:effectLst/>
+        </a:effectStyle>
+        <a:effectStyle>
+          <a:effectLst>
+            <a:outerShdw blurRad="57150" dist="19050" dir="5400000" algn="ctr" rotWithShape="0">
+              <a:srgbClr val="000000">
+                <a:alpha val="63000"/>
+              </a:srgbClr>
+            </a:outerShdw>
+          </a:effectLst>
+        </a:effectStyle>
+      </a:effectStyleLst>
+      <a:bgFillStyleLst>
+        <a:solidFill>
+          <a:schemeClr val="phClr"/>
+        </a:solidFill>
+        <a:solidFill>
+          <a:schemeClr val="phClr">
+            <a:tint val="95000"/>
+            <a:satMod val="170000"/>
+          </a:schemeClr>
+        </a:solidFill>
+        <a:gradFill rotWithShape="1">
+          <a:gsLst>
+            <a:gs pos="0">
+              <a:schemeClr val="phClr">
+                <a:tint val="93000"/>
+                <a:satMod val="150000"/>
+                <a:shade val="98000"/>
+                <a:lumMod val="102000"/>
+              </a:schemeClr>
+            </a:gs>
+            <a:gs pos="50000">
+              <a:schemeClr val="phClr">
+                <a:tint val="98000"/>
+                <a:satMod val="130000"/>
+                <a:shade val="90000"/>
+                <a:lumMod val="103000"/>
+              </a:schemeClr>
+            </a:gs>
+            <a:gs pos="100000">
+              <a:schemeClr val="phClr">
+                <a:shade val="63000"/>
+                <a:satMod val="120000"/>
+              </a:schemeClr>
+            </a:gs>
+          </a:gsLst>
+          <a:lin ang="5400000" scaled="0"/>
+        </a:gradFill>
+      </a:bgFillStyleLst>
+    </a:fmtScheme>
+  </a:themeElements>
+  <a:objectDefaults/>
+  <a:extraClrSchemeLst/>
+  <a:extLst>
+    <a:ext uri="{05A4C25C-085E-4340-85A3-A5531E510DB2}">
+      <thm15:themeFamily xmlns:thm15="http://schemas.microsoft.com/office/thememl/2012/main" name="Office Theme" id="{62F939B6-93AF-4DB8-9C6B-D6C7DFDC589F}" vid="{4A3C46E8-61CC-4603-A589-7422A47A8E4A}"/>
+    </a:ext>
+  </a:extLst>
+</a:theme>
 </file>
--- a/prezentatsia.pptx
+++ b/prezentatsia.pptx
@@ -5,18 +5,19 @@
     <p:sldMasterId id="2147483648" r:id="rId1"/>
   </p:sldMasterIdLst>
   <p:notesMasterIdLst>
-    <p:notesMasterId r:id="rId11"/>
+    <p:notesMasterId r:id="rId12"/>
   </p:notesMasterIdLst>
   <p:sldIdLst>
     <p:sldId id="256" r:id="rId2"/>
-    <p:sldId id="257" r:id="rId3"/>
-    <p:sldId id="258" r:id="rId4"/>
-    <p:sldId id="259" r:id="rId5"/>
-    <p:sldId id="264" r:id="rId6"/>
-    <p:sldId id="261" r:id="rId7"/>
-    <p:sldId id="262" r:id="rId8"/>
-    <p:sldId id="265" r:id="rId9"/>
+    <p:sldId id="258" r:id="rId3"/>
+    <p:sldId id="259" r:id="rId4"/>
+    <p:sldId id="264" r:id="rId5"/>
+    <p:sldId id="261" r:id="rId6"/>
+    <p:sldId id="262" r:id="rId7"/>
+    <p:sldId id="265" r:id="rId8"/>
+    <p:sldId id="267" r:id="rId9"/>
     <p:sldId id="266" r:id="rId10"/>
+    <p:sldId id="268" r:id="rId11"/>
   </p:sldIdLst>
   <p:sldSz cx="12192000" cy="6858000"/>
   <p:notesSz cx="6858000" cy="9144000"/>
@@ -538,7 +539,7 @@
           <a:p>
             <a:fld id="{D61C0976-323B-4547-A053-9D77DA9B9086}" type="slidenum">
               <a:rPr lang="ru-RU" smtClean="0"/>
-              <a:t>3</a:t>
+              <a:t>2</a:t>
             </a:fld>
             <a:endParaRPr lang="ru-RU"/>
           </a:p>
@@ -3573,13 +3574,13 @@
 </p:sld>
 </file>
 
-<file path=ppt/slides/slide2.xml><?xml version="1.0" encoding="utf-8"?>
+<file path=ppt/slides/slide10.xml><?xml version="1.0" encoding="utf-8"?>
 <p:sld xmlns:a="http://schemas.openxmlformats.org/drawingml/2006/main" xmlns:r="http://schemas.openxmlformats.org/officeDocument/2006/relationships" xmlns:p="http://schemas.openxmlformats.org/presentationml/2006/main">
   <p:cSld>
     <p:bg>
       <p:bgPr>
         <a:solidFill>
-          <a:srgbClr val="FFB900"/>
+          <a:srgbClr val="6EA6CF"/>
         </a:solidFill>
         <a:effectLst/>
       </p:bgPr>
@@ -3600,63 +3601,423 @@
       </p:grpSpPr>
       <p:sp>
         <p:nvSpPr>
-          <p:cNvPr id="2" name="Заголовок 1"/>
-          <p:cNvSpPr>
-            <a:spLocks noGrp="1"/>
-          </p:cNvSpPr>
-          <p:nvPr>
-            <p:ph type="title"/>
-          </p:nvPr>
-        </p:nvSpPr>
-        <p:spPr/>
-        <p:txBody>
-          <a:bodyPr/>
-          <a:lstStyle/>
-          <a:p>
-            <a:r>
-              <a:rPr lang="ru-RU" dirty="0" smtClean="0"/>
-              <a:t>Цель: </a:t>
-            </a:r>
-            <a:endParaRPr lang="ru-RU" dirty="0"/>
-          </a:p>
-        </p:txBody>
-      </p:sp>
-      <p:sp>
-        <p:nvSpPr>
-          <p:cNvPr id="3" name="Объект 2"/>
-          <p:cNvSpPr>
-            <a:spLocks noGrp="1"/>
-          </p:cNvSpPr>
-          <p:nvPr>
-            <p:ph idx="1"/>
-          </p:nvPr>
-        </p:nvSpPr>
-        <p:spPr/>
-        <p:txBody>
-          <a:bodyPr>
+          <p:cNvPr id="4" name="Объект 2"/>
+          <p:cNvSpPr txBox="1">
+            <a:spLocks/>
+          </p:cNvSpPr>
+          <p:nvPr/>
+        </p:nvSpPr>
+        <p:spPr>
+          <a:xfrm>
+            <a:off x="850501" y="5117360"/>
+            <a:ext cx="10720964" cy="1038534"/>
+          </a:xfrm>
+          <a:prstGeom prst="rect">
+            <a:avLst/>
+          </a:prstGeom>
+        </p:spPr>
+        <p:txBody>
+          <a:bodyPr vert="horz" lIns="91440" tIns="45720" rIns="91440" bIns="45720" rtlCol="0">
             <a:normAutofit/>
           </a:bodyPr>
-          <a:lstStyle/>
-          <a:p>
-            <a:pPr marL="0" indent="0">
+          <a:lstStyle>
+            <a:lvl1pPr marL="228600" indent="-228600" algn="l" defTabSz="914400" rtl="0" eaLnBrk="1" latinLnBrk="0" hangingPunct="1">
+              <a:lnSpc>
+                <a:spcPct val="90000"/>
+              </a:lnSpc>
+              <a:spcBef>
+                <a:spcPts val="1000"/>
+              </a:spcBef>
+              <a:buFont typeface="Arial" panose="020B0604020202020204" pitchFamily="34" charset="0"/>
+              <a:buChar char="•"/>
+              <a:defRPr sz="2800" kern="1200">
+                <a:solidFill>
+                  <a:schemeClr val="tx1"/>
+                </a:solidFill>
+                <a:latin typeface="+mn-lt"/>
+                <a:ea typeface="+mn-ea"/>
+                <a:cs typeface="+mn-cs"/>
+              </a:defRPr>
+            </a:lvl1pPr>
+            <a:lvl2pPr marL="685800" indent="-228600" algn="l" defTabSz="914400" rtl="0" eaLnBrk="1" latinLnBrk="0" hangingPunct="1">
+              <a:lnSpc>
+                <a:spcPct val="90000"/>
+              </a:lnSpc>
+              <a:spcBef>
+                <a:spcPts val="500"/>
+              </a:spcBef>
+              <a:buFont typeface="Arial" panose="020B0604020202020204" pitchFamily="34" charset="0"/>
+              <a:buChar char="•"/>
+              <a:defRPr sz="2400" kern="1200">
+                <a:solidFill>
+                  <a:schemeClr val="tx1"/>
+                </a:solidFill>
+                <a:latin typeface="+mn-lt"/>
+                <a:ea typeface="+mn-ea"/>
+                <a:cs typeface="+mn-cs"/>
+              </a:defRPr>
+            </a:lvl2pPr>
+            <a:lvl3pPr marL="1143000" indent="-228600" algn="l" defTabSz="914400" rtl="0" eaLnBrk="1" latinLnBrk="0" hangingPunct="1">
+              <a:lnSpc>
+                <a:spcPct val="90000"/>
+              </a:lnSpc>
+              <a:spcBef>
+                <a:spcPts val="500"/>
+              </a:spcBef>
+              <a:buFont typeface="Arial" panose="020B0604020202020204" pitchFamily="34" charset="0"/>
+              <a:buChar char="•"/>
+              <a:defRPr sz="2000" kern="1200">
+                <a:solidFill>
+                  <a:schemeClr val="tx1"/>
+                </a:solidFill>
+                <a:latin typeface="+mn-lt"/>
+                <a:ea typeface="+mn-ea"/>
+                <a:cs typeface="+mn-cs"/>
+              </a:defRPr>
+            </a:lvl3pPr>
+            <a:lvl4pPr marL="1600200" indent="-228600" algn="l" defTabSz="914400" rtl="0" eaLnBrk="1" latinLnBrk="0" hangingPunct="1">
+              <a:lnSpc>
+                <a:spcPct val="90000"/>
+              </a:lnSpc>
+              <a:spcBef>
+                <a:spcPts val="500"/>
+              </a:spcBef>
+              <a:buFont typeface="Arial" panose="020B0604020202020204" pitchFamily="34" charset="0"/>
+              <a:buChar char="•"/>
+              <a:defRPr sz="1800" kern="1200">
+                <a:solidFill>
+                  <a:schemeClr val="tx1"/>
+                </a:solidFill>
+                <a:latin typeface="+mn-lt"/>
+                <a:ea typeface="+mn-ea"/>
+                <a:cs typeface="+mn-cs"/>
+              </a:defRPr>
+            </a:lvl4pPr>
+            <a:lvl5pPr marL="2057400" indent="-228600" algn="l" defTabSz="914400" rtl="0" eaLnBrk="1" latinLnBrk="0" hangingPunct="1">
+              <a:lnSpc>
+                <a:spcPct val="90000"/>
+              </a:lnSpc>
+              <a:spcBef>
+                <a:spcPts val="500"/>
+              </a:spcBef>
+              <a:buFont typeface="Arial" panose="020B0604020202020204" pitchFamily="34" charset="0"/>
+              <a:buChar char="•"/>
+              <a:defRPr sz="1800" kern="1200">
+                <a:solidFill>
+                  <a:schemeClr val="tx1"/>
+                </a:solidFill>
+                <a:latin typeface="+mn-lt"/>
+                <a:ea typeface="+mn-ea"/>
+                <a:cs typeface="+mn-cs"/>
+              </a:defRPr>
+            </a:lvl5pPr>
+            <a:lvl6pPr marL="2514600" indent="-228600" algn="l" defTabSz="914400" rtl="0" eaLnBrk="1" latinLnBrk="0" hangingPunct="1">
+              <a:lnSpc>
+                <a:spcPct val="90000"/>
+              </a:lnSpc>
+              <a:spcBef>
+                <a:spcPts val="500"/>
+              </a:spcBef>
+              <a:buFont typeface="Arial" panose="020B0604020202020204" pitchFamily="34" charset="0"/>
+              <a:buChar char="•"/>
+              <a:defRPr sz="1800" kern="1200">
+                <a:solidFill>
+                  <a:schemeClr val="tx1"/>
+                </a:solidFill>
+                <a:latin typeface="+mn-lt"/>
+                <a:ea typeface="+mn-ea"/>
+                <a:cs typeface="+mn-cs"/>
+              </a:defRPr>
+            </a:lvl6pPr>
+            <a:lvl7pPr marL="2971800" indent="-228600" algn="l" defTabSz="914400" rtl="0" eaLnBrk="1" latinLnBrk="0" hangingPunct="1">
+              <a:lnSpc>
+                <a:spcPct val="90000"/>
+              </a:lnSpc>
+              <a:spcBef>
+                <a:spcPts val="500"/>
+              </a:spcBef>
+              <a:buFont typeface="Arial" panose="020B0604020202020204" pitchFamily="34" charset="0"/>
+              <a:buChar char="•"/>
+              <a:defRPr sz="1800" kern="1200">
+                <a:solidFill>
+                  <a:schemeClr val="tx1"/>
+                </a:solidFill>
+                <a:latin typeface="+mn-lt"/>
+                <a:ea typeface="+mn-ea"/>
+                <a:cs typeface="+mn-cs"/>
+              </a:defRPr>
+            </a:lvl7pPr>
+            <a:lvl8pPr marL="3429000" indent="-228600" algn="l" defTabSz="914400" rtl="0" eaLnBrk="1" latinLnBrk="0" hangingPunct="1">
+              <a:lnSpc>
+                <a:spcPct val="90000"/>
+              </a:lnSpc>
+              <a:spcBef>
+                <a:spcPts val="500"/>
+              </a:spcBef>
+              <a:buFont typeface="Arial" panose="020B0604020202020204" pitchFamily="34" charset="0"/>
+              <a:buChar char="•"/>
+              <a:defRPr sz="1800" kern="1200">
+                <a:solidFill>
+                  <a:schemeClr val="tx1"/>
+                </a:solidFill>
+                <a:latin typeface="+mn-lt"/>
+                <a:ea typeface="+mn-ea"/>
+                <a:cs typeface="+mn-cs"/>
+              </a:defRPr>
+            </a:lvl8pPr>
+            <a:lvl9pPr marL="3886200" indent="-228600" algn="l" defTabSz="914400" rtl="0" eaLnBrk="1" latinLnBrk="0" hangingPunct="1">
+              <a:lnSpc>
+                <a:spcPct val="90000"/>
+              </a:lnSpc>
+              <a:spcBef>
+                <a:spcPts val="500"/>
+              </a:spcBef>
+              <a:buFont typeface="Arial" panose="020B0604020202020204" pitchFamily="34" charset="0"/>
+              <a:buChar char="•"/>
+              <a:defRPr sz="1800" kern="1200">
+                <a:solidFill>
+                  <a:schemeClr val="tx1"/>
+                </a:solidFill>
+                <a:latin typeface="+mn-lt"/>
+                <a:ea typeface="+mn-ea"/>
+                <a:cs typeface="+mn-cs"/>
+              </a:defRPr>
+            </a:lvl9pPr>
+          </a:lstStyle>
+          <a:p>
+            <a:pPr marL="0" indent="0" algn="ctr">
               <a:buNone/>
             </a:pPr>
             <a:r>
-              <a:rPr lang="ru-RU" sz="4400" dirty="0" smtClean="0">
-                <a:latin typeface="+mj-lt"/>
-              </a:rPr>
-              <a:t>Задачи:</a:t>
-            </a:r>
-            <a:endParaRPr lang="ru-RU" sz="4400" dirty="0">
-              <a:latin typeface="+mj-lt"/>
-            </a:endParaRPr>
+              <a:rPr lang="ru-RU" dirty="0" smtClean="0"/>
+              <a:t>Более подробная информация по ссылке</a:t>
+            </a:r>
+            <a:r>
+              <a:rPr lang="en-US" dirty="0" smtClean="0"/>
+              <a:t>:</a:t>
+            </a:r>
+          </a:p>
+          <a:p>
+            <a:pPr marL="0" indent="0" algn="ctr">
+              <a:buNone/>
+            </a:pPr>
+            <a:r>
+              <a:rPr lang="en-US" dirty="0"/>
+              <a:t>https://</a:t>
+            </a:r>
+            <a:r>
+              <a:rPr lang="en-US" dirty="0" smtClean="0"/>
+              <a:t>github.com/MR-Geri/error_and_another_error</a:t>
+            </a:r>
+            <a:r>
+              <a:rPr lang="en-US" dirty="0"/>
+              <a:t>/</a:t>
+            </a:r>
+            <a:endParaRPr lang="ru-RU" dirty="0"/>
+          </a:p>
+        </p:txBody>
+      </p:sp>
+      <p:sp>
+        <p:nvSpPr>
+          <p:cNvPr id="5" name="Объект 2"/>
+          <p:cNvSpPr txBox="1">
+            <a:spLocks/>
+          </p:cNvSpPr>
+          <p:nvPr/>
+        </p:nvSpPr>
+        <p:spPr>
+          <a:xfrm>
+            <a:off x="850501" y="1804556"/>
+            <a:ext cx="10720964" cy="5790769"/>
+          </a:xfrm>
+          <a:prstGeom prst="rect">
+            <a:avLst/>
+          </a:prstGeom>
+        </p:spPr>
+        <p:txBody>
+          <a:bodyPr vert="horz" lIns="91440" tIns="45720" rIns="91440" bIns="45720" rtlCol="0">
+            <a:normAutofit/>
+          </a:bodyPr>
+          <a:lstStyle>
+            <a:lvl1pPr marL="228600" indent="-228600" algn="l" defTabSz="914400" rtl="0" eaLnBrk="1" latinLnBrk="0" hangingPunct="1">
+              <a:lnSpc>
+                <a:spcPct val="90000"/>
+              </a:lnSpc>
+              <a:spcBef>
+                <a:spcPts val="1000"/>
+              </a:spcBef>
+              <a:buFont typeface="Arial" panose="020B0604020202020204" pitchFamily="34" charset="0"/>
+              <a:buChar char="•"/>
+              <a:defRPr sz="2800" kern="1200">
+                <a:solidFill>
+                  <a:schemeClr val="tx1"/>
+                </a:solidFill>
+                <a:latin typeface="+mn-lt"/>
+                <a:ea typeface="+mn-ea"/>
+                <a:cs typeface="+mn-cs"/>
+              </a:defRPr>
+            </a:lvl1pPr>
+            <a:lvl2pPr marL="685800" indent="-228600" algn="l" defTabSz="914400" rtl="0" eaLnBrk="1" latinLnBrk="0" hangingPunct="1">
+              <a:lnSpc>
+                <a:spcPct val="90000"/>
+              </a:lnSpc>
+              <a:spcBef>
+                <a:spcPts val="500"/>
+              </a:spcBef>
+              <a:buFont typeface="Arial" panose="020B0604020202020204" pitchFamily="34" charset="0"/>
+              <a:buChar char="•"/>
+              <a:defRPr sz="2400" kern="1200">
+                <a:solidFill>
+                  <a:schemeClr val="tx1"/>
+                </a:solidFill>
+                <a:latin typeface="+mn-lt"/>
+                <a:ea typeface="+mn-ea"/>
+                <a:cs typeface="+mn-cs"/>
+              </a:defRPr>
+            </a:lvl2pPr>
+            <a:lvl3pPr marL="1143000" indent="-228600" algn="l" defTabSz="914400" rtl="0" eaLnBrk="1" latinLnBrk="0" hangingPunct="1">
+              <a:lnSpc>
+                <a:spcPct val="90000"/>
+              </a:lnSpc>
+              <a:spcBef>
+                <a:spcPts val="500"/>
+              </a:spcBef>
+              <a:buFont typeface="Arial" panose="020B0604020202020204" pitchFamily="34" charset="0"/>
+              <a:buChar char="•"/>
+              <a:defRPr sz="2000" kern="1200">
+                <a:solidFill>
+                  <a:schemeClr val="tx1"/>
+                </a:solidFill>
+                <a:latin typeface="+mn-lt"/>
+                <a:ea typeface="+mn-ea"/>
+                <a:cs typeface="+mn-cs"/>
+              </a:defRPr>
+            </a:lvl3pPr>
+            <a:lvl4pPr marL="1600200" indent="-228600" algn="l" defTabSz="914400" rtl="0" eaLnBrk="1" latinLnBrk="0" hangingPunct="1">
+              <a:lnSpc>
+                <a:spcPct val="90000"/>
+              </a:lnSpc>
+              <a:spcBef>
+                <a:spcPts val="500"/>
+              </a:spcBef>
+              <a:buFont typeface="Arial" panose="020B0604020202020204" pitchFamily="34" charset="0"/>
+              <a:buChar char="•"/>
+              <a:defRPr sz="1800" kern="1200">
+                <a:solidFill>
+                  <a:schemeClr val="tx1"/>
+                </a:solidFill>
+                <a:latin typeface="+mn-lt"/>
+                <a:ea typeface="+mn-ea"/>
+                <a:cs typeface="+mn-cs"/>
+              </a:defRPr>
+            </a:lvl4pPr>
+            <a:lvl5pPr marL="2057400" indent="-228600" algn="l" defTabSz="914400" rtl="0" eaLnBrk="1" latinLnBrk="0" hangingPunct="1">
+              <a:lnSpc>
+                <a:spcPct val="90000"/>
+              </a:lnSpc>
+              <a:spcBef>
+                <a:spcPts val="500"/>
+              </a:spcBef>
+              <a:buFont typeface="Arial" panose="020B0604020202020204" pitchFamily="34" charset="0"/>
+              <a:buChar char="•"/>
+              <a:defRPr sz="1800" kern="1200">
+                <a:solidFill>
+                  <a:schemeClr val="tx1"/>
+                </a:solidFill>
+                <a:latin typeface="+mn-lt"/>
+                <a:ea typeface="+mn-ea"/>
+                <a:cs typeface="+mn-cs"/>
+              </a:defRPr>
+            </a:lvl5pPr>
+            <a:lvl6pPr marL="2514600" indent="-228600" algn="l" defTabSz="914400" rtl="0" eaLnBrk="1" latinLnBrk="0" hangingPunct="1">
+              <a:lnSpc>
+                <a:spcPct val="90000"/>
+              </a:lnSpc>
+              <a:spcBef>
+                <a:spcPts val="500"/>
+              </a:spcBef>
+              <a:buFont typeface="Arial" panose="020B0604020202020204" pitchFamily="34" charset="0"/>
+              <a:buChar char="•"/>
+              <a:defRPr sz="1800" kern="1200">
+                <a:solidFill>
+                  <a:schemeClr val="tx1"/>
+                </a:solidFill>
+                <a:latin typeface="+mn-lt"/>
+                <a:ea typeface="+mn-ea"/>
+                <a:cs typeface="+mn-cs"/>
+              </a:defRPr>
+            </a:lvl6pPr>
+            <a:lvl7pPr marL="2971800" indent="-228600" algn="l" defTabSz="914400" rtl="0" eaLnBrk="1" latinLnBrk="0" hangingPunct="1">
+              <a:lnSpc>
+                <a:spcPct val="90000"/>
+              </a:lnSpc>
+              <a:spcBef>
+                <a:spcPts val="500"/>
+              </a:spcBef>
+              <a:buFont typeface="Arial" panose="020B0604020202020204" pitchFamily="34" charset="0"/>
+              <a:buChar char="•"/>
+              <a:defRPr sz="1800" kern="1200">
+                <a:solidFill>
+                  <a:schemeClr val="tx1"/>
+                </a:solidFill>
+                <a:latin typeface="+mn-lt"/>
+                <a:ea typeface="+mn-ea"/>
+                <a:cs typeface="+mn-cs"/>
+              </a:defRPr>
+            </a:lvl7pPr>
+            <a:lvl8pPr marL="3429000" indent="-228600" algn="l" defTabSz="914400" rtl="0" eaLnBrk="1" latinLnBrk="0" hangingPunct="1">
+              <a:lnSpc>
+                <a:spcPct val="90000"/>
+              </a:lnSpc>
+              <a:spcBef>
+                <a:spcPts val="500"/>
+              </a:spcBef>
+              <a:buFont typeface="Arial" panose="020B0604020202020204" pitchFamily="34" charset="0"/>
+              <a:buChar char="•"/>
+              <a:defRPr sz="1800" kern="1200">
+                <a:solidFill>
+                  <a:schemeClr val="tx1"/>
+                </a:solidFill>
+                <a:latin typeface="+mn-lt"/>
+                <a:ea typeface="+mn-ea"/>
+                <a:cs typeface="+mn-cs"/>
+              </a:defRPr>
+            </a:lvl8pPr>
+            <a:lvl9pPr marL="3886200" indent="-228600" algn="l" defTabSz="914400" rtl="0" eaLnBrk="1" latinLnBrk="0" hangingPunct="1">
+              <a:lnSpc>
+                <a:spcPct val="90000"/>
+              </a:lnSpc>
+              <a:spcBef>
+                <a:spcPts val="500"/>
+              </a:spcBef>
+              <a:buFont typeface="Arial" panose="020B0604020202020204" pitchFamily="34" charset="0"/>
+              <a:buChar char="•"/>
+              <a:defRPr sz="1800" kern="1200">
+                <a:solidFill>
+                  <a:schemeClr val="tx1"/>
+                </a:solidFill>
+                <a:latin typeface="+mn-lt"/>
+                <a:ea typeface="+mn-ea"/>
+                <a:cs typeface="+mn-cs"/>
+              </a:defRPr>
+            </a:lvl9pPr>
+          </a:lstStyle>
+          <a:p>
+            <a:pPr marL="0" indent="0" algn="ctr">
+              <a:buNone/>
+            </a:pPr>
+            <a:r>
+              <a:rPr lang="ru-RU" sz="9600" b="1" i="1" dirty="0" smtClean="0"/>
+              <a:t>Спасибо за внимание!</a:t>
+            </a:r>
+            <a:endParaRPr lang="ru-RU" sz="9600" dirty="0"/>
           </a:p>
         </p:txBody>
       </p:sp>
     </p:spTree>
     <p:extLst>
       <p:ext uri="{BB962C8B-B14F-4D97-AF65-F5344CB8AC3E}">
-        <p14:creationId xmlns:p14="http://schemas.microsoft.com/office/powerpoint/2010/main" val="1289026750"/>
+        <p14:creationId xmlns:p14="http://schemas.microsoft.com/office/powerpoint/2010/main" val="2004496730"/>
       </p:ext>
     </p:extLst>
   </p:cSld>
@@ -3673,7 +4034,7 @@
 </p:sld>
 </file>
 
-<file path=ppt/slides/slide3.xml><?xml version="1.0" encoding="utf-8"?>
+<file path=ppt/slides/slide2.xml><?xml version="1.0" encoding="utf-8"?>
 <p:sld xmlns:a="http://schemas.openxmlformats.org/drawingml/2006/main" xmlns:r="http://schemas.openxmlformats.org/officeDocument/2006/relationships" xmlns:p="http://schemas.openxmlformats.org/presentationml/2006/main">
   <p:cSld>
     <p:bg>
@@ -3874,7 +4235,7 @@
 </p:sld>
 </file>
 
-<file path=ppt/slides/slide4.xml><?xml version="1.0" encoding="utf-8"?>
+<file path=ppt/slides/slide3.xml><?xml version="1.0" encoding="utf-8"?>
 <p:sld xmlns:a="http://schemas.openxmlformats.org/drawingml/2006/main" xmlns:r="http://schemas.openxmlformats.org/officeDocument/2006/relationships" xmlns:p="http://schemas.openxmlformats.org/presentationml/2006/main">
   <p:cSld>
     <p:bg>
@@ -3992,7 +4353,11 @@
             <a:pPr lvl="1"/>
             <a:r>
               <a:rPr lang="ru-RU" sz="2000" dirty="0"/>
-              <a:t>Полное очищение (</a:t>
+              <a:t>Полное очищение </a:t>
+            </a:r>
+            <a:r>
+              <a:rPr lang="ru-RU" sz="2000" dirty="0" smtClean="0"/>
+              <a:t>(</a:t>
             </a:r>
             <a:r>
               <a:rPr lang="ru-RU" sz="2000" dirty="0" err="1"/>
@@ -4064,8 +4429,17 @@
             </a:r>
             <a:r>
               <a:rPr lang="ru-RU" sz="2000" dirty="0"/>
-              <a:t>меню для использования разового кода происходит по нажатию на клавишу (~)</a:t>
-            </a:r>
+              <a:t>меню для использования разового кода происходит по нажатию на клавишу </a:t>
+            </a:r>
+            <a:r>
+              <a:rPr lang="ru-RU" sz="2000" dirty="0" smtClean="0"/>
+              <a:t>(~)</a:t>
+            </a:r>
+          </a:p>
+          <a:p>
+            <a:pPr marL="0" indent="0">
+              <a:buNone/>
+            </a:pPr>
             <a:r>
               <a:rPr lang="ru-RU" dirty="0"/>
               <a:t/>
@@ -4074,6 +4448,274 @@
               <a:rPr lang="ru-RU" dirty="0"/>
             </a:br>
             <a:endParaRPr lang="en-US" dirty="0"/>
+          </a:p>
+        </p:txBody>
+      </p:sp>
+      <p:sp>
+        <p:nvSpPr>
+          <p:cNvPr id="5" name="Объект 2"/>
+          <p:cNvSpPr txBox="1">
+            <a:spLocks/>
+          </p:cNvSpPr>
+          <p:nvPr/>
+        </p:nvSpPr>
+        <p:spPr>
+          <a:xfrm>
+            <a:off x="4926992" y="5363587"/>
+            <a:ext cx="6617691" cy="1172528"/>
+          </a:xfrm>
+          <a:prstGeom prst="rect">
+            <a:avLst/>
+          </a:prstGeom>
+        </p:spPr>
+        <p:txBody>
+          <a:bodyPr vert="horz" lIns="91440" tIns="45720" rIns="91440" bIns="45720" rtlCol="0">
+            <a:noAutofit/>
+          </a:bodyPr>
+          <a:lstStyle>
+            <a:lvl1pPr marL="228600" indent="-228600" algn="l" defTabSz="914400" rtl="0" eaLnBrk="1" latinLnBrk="0" hangingPunct="1">
+              <a:lnSpc>
+                <a:spcPct val="90000"/>
+              </a:lnSpc>
+              <a:spcBef>
+                <a:spcPts val="1000"/>
+              </a:spcBef>
+              <a:buFont typeface="Arial" panose="020B0604020202020204" pitchFamily="34" charset="0"/>
+              <a:buChar char="•"/>
+              <a:defRPr sz="2800" kern="1200">
+                <a:solidFill>
+                  <a:schemeClr val="tx1"/>
+                </a:solidFill>
+                <a:latin typeface="+mn-lt"/>
+                <a:ea typeface="+mn-ea"/>
+                <a:cs typeface="+mn-cs"/>
+              </a:defRPr>
+            </a:lvl1pPr>
+            <a:lvl2pPr marL="685800" indent="-228600" algn="l" defTabSz="914400" rtl="0" eaLnBrk="1" latinLnBrk="0" hangingPunct="1">
+              <a:lnSpc>
+                <a:spcPct val="90000"/>
+              </a:lnSpc>
+              <a:spcBef>
+                <a:spcPts val="500"/>
+              </a:spcBef>
+              <a:buFont typeface="Arial" panose="020B0604020202020204" pitchFamily="34" charset="0"/>
+              <a:buChar char="•"/>
+              <a:defRPr sz="2400" kern="1200">
+                <a:solidFill>
+                  <a:schemeClr val="tx1"/>
+                </a:solidFill>
+                <a:latin typeface="+mn-lt"/>
+                <a:ea typeface="+mn-ea"/>
+                <a:cs typeface="+mn-cs"/>
+              </a:defRPr>
+            </a:lvl2pPr>
+            <a:lvl3pPr marL="1143000" indent="-228600" algn="l" defTabSz="914400" rtl="0" eaLnBrk="1" latinLnBrk="0" hangingPunct="1">
+              <a:lnSpc>
+                <a:spcPct val="90000"/>
+              </a:lnSpc>
+              <a:spcBef>
+                <a:spcPts val="500"/>
+              </a:spcBef>
+              <a:buFont typeface="Arial" panose="020B0604020202020204" pitchFamily="34" charset="0"/>
+              <a:buChar char="•"/>
+              <a:defRPr sz="2000" kern="1200">
+                <a:solidFill>
+                  <a:schemeClr val="tx1"/>
+                </a:solidFill>
+                <a:latin typeface="+mn-lt"/>
+                <a:ea typeface="+mn-ea"/>
+                <a:cs typeface="+mn-cs"/>
+              </a:defRPr>
+            </a:lvl3pPr>
+            <a:lvl4pPr marL="1600200" indent="-228600" algn="l" defTabSz="914400" rtl="0" eaLnBrk="1" latinLnBrk="0" hangingPunct="1">
+              <a:lnSpc>
+                <a:spcPct val="90000"/>
+              </a:lnSpc>
+              <a:spcBef>
+                <a:spcPts val="500"/>
+              </a:spcBef>
+              <a:buFont typeface="Arial" panose="020B0604020202020204" pitchFamily="34" charset="0"/>
+              <a:buChar char="•"/>
+              <a:defRPr sz="1800" kern="1200">
+                <a:solidFill>
+                  <a:schemeClr val="tx1"/>
+                </a:solidFill>
+                <a:latin typeface="+mn-lt"/>
+                <a:ea typeface="+mn-ea"/>
+                <a:cs typeface="+mn-cs"/>
+              </a:defRPr>
+            </a:lvl4pPr>
+            <a:lvl5pPr marL="2057400" indent="-228600" algn="l" defTabSz="914400" rtl="0" eaLnBrk="1" latinLnBrk="0" hangingPunct="1">
+              <a:lnSpc>
+                <a:spcPct val="90000"/>
+              </a:lnSpc>
+              <a:spcBef>
+                <a:spcPts val="500"/>
+              </a:spcBef>
+              <a:buFont typeface="Arial" panose="020B0604020202020204" pitchFamily="34" charset="0"/>
+              <a:buChar char="•"/>
+              <a:defRPr sz="1800" kern="1200">
+                <a:solidFill>
+                  <a:schemeClr val="tx1"/>
+                </a:solidFill>
+                <a:latin typeface="+mn-lt"/>
+                <a:ea typeface="+mn-ea"/>
+                <a:cs typeface="+mn-cs"/>
+              </a:defRPr>
+            </a:lvl5pPr>
+            <a:lvl6pPr marL="2514600" indent="-228600" algn="l" defTabSz="914400" rtl="0" eaLnBrk="1" latinLnBrk="0" hangingPunct="1">
+              <a:lnSpc>
+                <a:spcPct val="90000"/>
+              </a:lnSpc>
+              <a:spcBef>
+                <a:spcPts val="500"/>
+              </a:spcBef>
+              <a:buFont typeface="Arial" panose="020B0604020202020204" pitchFamily="34" charset="0"/>
+              <a:buChar char="•"/>
+              <a:defRPr sz="1800" kern="1200">
+                <a:solidFill>
+                  <a:schemeClr val="tx1"/>
+                </a:solidFill>
+                <a:latin typeface="+mn-lt"/>
+                <a:ea typeface="+mn-ea"/>
+                <a:cs typeface="+mn-cs"/>
+              </a:defRPr>
+            </a:lvl6pPr>
+            <a:lvl7pPr marL="2971800" indent="-228600" algn="l" defTabSz="914400" rtl="0" eaLnBrk="1" latinLnBrk="0" hangingPunct="1">
+              <a:lnSpc>
+                <a:spcPct val="90000"/>
+              </a:lnSpc>
+              <a:spcBef>
+                <a:spcPts val="500"/>
+              </a:spcBef>
+              <a:buFont typeface="Arial" panose="020B0604020202020204" pitchFamily="34" charset="0"/>
+              <a:buChar char="•"/>
+              <a:defRPr sz="1800" kern="1200">
+                <a:solidFill>
+                  <a:schemeClr val="tx1"/>
+                </a:solidFill>
+                <a:latin typeface="+mn-lt"/>
+                <a:ea typeface="+mn-ea"/>
+                <a:cs typeface="+mn-cs"/>
+              </a:defRPr>
+            </a:lvl7pPr>
+            <a:lvl8pPr marL="3429000" indent="-228600" algn="l" defTabSz="914400" rtl="0" eaLnBrk="1" latinLnBrk="0" hangingPunct="1">
+              <a:lnSpc>
+                <a:spcPct val="90000"/>
+              </a:lnSpc>
+              <a:spcBef>
+                <a:spcPts val="500"/>
+              </a:spcBef>
+              <a:buFont typeface="Arial" panose="020B0604020202020204" pitchFamily="34" charset="0"/>
+              <a:buChar char="•"/>
+              <a:defRPr sz="1800" kern="1200">
+                <a:solidFill>
+                  <a:schemeClr val="tx1"/>
+                </a:solidFill>
+                <a:latin typeface="+mn-lt"/>
+                <a:ea typeface="+mn-ea"/>
+                <a:cs typeface="+mn-cs"/>
+              </a:defRPr>
+            </a:lvl8pPr>
+            <a:lvl9pPr marL="3886200" indent="-228600" algn="l" defTabSz="914400" rtl="0" eaLnBrk="1" latinLnBrk="0" hangingPunct="1">
+              <a:lnSpc>
+                <a:spcPct val="90000"/>
+              </a:lnSpc>
+              <a:spcBef>
+                <a:spcPts val="500"/>
+              </a:spcBef>
+              <a:buFont typeface="Arial" panose="020B0604020202020204" pitchFamily="34" charset="0"/>
+              <a:buChar char="•"/>
+              <a:defRPr sz="1800" kern="1200">
+                <a:solidFill>
+                  <a:schemeClr val="tx1"/>
+                </a:solidFill>
+                <a:latin typeface="+mn-lt"/>
+                <a:ea typeface="+mn-ea"/>
+                <a:cs typeface="+mn-cs"/>
+              </a:defRPr>
+            </a:lvl9pPr>
+          </a:lstStyle>
+          <a:p>
+            <a:r>
+              <a:rPr lang="en-US" sz="1800" dirty="0" err="1"/>
+              <a:t>place_base</a:t>
+            </a:r>
+            <a:r>
+              <a:rPr lang="en-US" sz="1800" dirty="0"/>
+              <a:t>(x: </a:t>
+            </a:r>
+            <a:r>
+              <a:rPr lang="en-US" sz="1800" dirty="0" err="1"/>
+              <a:t>int</a:t>
+            </a:r>
+            <a:r>
+              <a:rPr lang="en-US" sz="1800" dirty="0"/>
+              <a:t>, y: </a:t>
+            </a:r>
+            <a:r>
+              <a:rPr lang="en-US" sz="1800" dirty="0" err="1"/>
+              <a:t>int</a:t>
+            </a:r>
+            <a:r>
+              <a:rPr lang="en-US" sz="1800" dirty="0"/>
+              <a:t>) -&gt; </a:t>
+            </a:r>
+            <a:r>
+              <a:rPr lang="ru-RU" sz="1800" dirty="0"/>
+              <a:t>Размещение базы на поле</a:t>
+            </a:r>
+          </a:p>
+          <a:p>
+            <a:r>
+              <a:rPr lang="en-US" sz="1800" dirty="0" err="1"/>
+              <a:t>place_foundry</a:t>
+            </a:r>
+            <a:r>
+              <a:rPr lang="en-US" sz="1800" dirty="0"/>
+              <a:t>(x: </a:t>
+            </a:r>
+            <a:r>
+              <a:rPr lang="en-US" sz="1800" dirty="0" err="1"/>
+              <a:t>int</a:t>
+            </a:r>
+            <a:r>
+              <a:rPr lang="en-US" sz="1800" dirty="0"/>
+              <a:t>, y: </a:t>
+            </a:r>
+            <a:r>
+              <a:rPr lang="en-US" sz="1800" dirty="0" err="1"/>
+              <a:t>int</a:t>
+            </a:r>
+            <a:r>
+              <a:rPr lang="en-US" sz="1800" dirty="0"/>
+              <a:t>) -&gt; </a:t>
+            </a:r>
+            <a:r>
+              <a:rPr lang="ru-RU" sz="1800" dirty="0"/>
+              <a:t>Размещение плавильни на поле</a:t>
+            </a:r>
+          </a:p>
+          <a:p>
+            <a:r>
+              <a:rPr lang="en-US" sz="1800" dirty="0" err="1"/>
+              <a:t>create_robot</a:t>
+            </a:r>
+            <a:r>
+              <a:rPr lang="en-US" sz="1800" dirty="0"/>
+              <a:t>(robot: ALL_ROBOT) -&gt; </a:t>
+            </a:r>
+            <a:r>
+              <a:rPr lang="ru-RU" sz="1800" dirty="0"/>
+              <a:t>Создание робота</a:t>
+            </a:r>
+          </a:p>
+          <a:p>
+            <a:pPr marL="0" indent="0">
+              <a:buFont typeface="Arial" panose="020B0604020202020204" pitchFamily="34" charset="0"/>
+              <a:buNone/>
+            </a:pPr>
+            <a:endParaRPr lang="en-US" sz="1800" dirty="0"/>
           </a:p>
         </p:txBody>
       </p:sp>
@@ -4097,7 +4739,7 @@
 </p:sld>
 </file>
 
-<file path=ppt/slides/slide5.xml><?xml version="1.0" encoding="utf-8"?>
+<file path=ppt/slides/slide4.xml><?xml version="1.0" encoding="utf-8"?>
 <p:sld xmlns:a="http://schemas.openxmlformats.org/drawingml/2006/main" xmlns:r="http://schemas.openxmlformats.org/officeDocument/2006/relationships" xmlns:p="http://schemas.openxmlformats.org/presentationml/2006/main">
   <p:cSld>
     <p:bg>
@@ -4268,7 +4910,7 @@
 </p:sld>
 </file>
 
-<file path=ppt/slides/slide6.xml><?xml version="1.0" encoding="utf-8"?>
+<file path=ppt/slides/slide5.xml><?xml version="1.0" encoding="utf-8"?>
 <p:sld xmlns:a="http://schemas.openxmlformats.org/drawingml/2006/main" xmlns:r="http://schemas.openxmlformats.org/officeDocument/2006/relationships" xmlns:p="http://schemas.openxmlformats.org/presentationml/2006/main">
   <p:cSld>
     <p:bg>
@@ -4356,7 +4998,7 @@
 </p:sld>
 </file>
 
-<file path=ppt/slides/slide7.xml><?xml version="1.0" encoding="utf-8"?>
+<file path=ppt/slides/slide6.xml><?xml version="1.0" encoding="utf-8"?>
 <p:sld xmlns:a="http://schemas.openxmlformats.org/drawingml/2006/main" xmlns:r="http://schemas.openxmlformats.org/officeDocument/2006/relationships" xmlns:p="http://schemas.openxmlformats.org/presentationml/2006/main">
   <p:cSld>
     <p:bg>
@@ -4591,7 +5233,7 @@
 </p:sld>
 </file>
 
-<file path=ppt/slides/slide8.xml><?xml version="1.0" encoding="utf-8"?>
+<file path=ppt/slides/slide7.xml><?xml version="1.0" encoding="utf-8"?>
 <p:sld xmlns:a="http://schemas.openxmlformats.org/drawingml/2006/main" xmlns:r="http://schemas.openxmlformats.org/officeDocument/2006/relationships" xmlns:p="http://schemas.openxmlformats.org/presentationml/2006/main">
   <p:cSld>
     <p:bg>
@@ -4687,7 +5329,7 @@
         </p:nvSpPr>
         <p:spPr>
           <a:xfrm>
-            <a:off x="548762" y="975360"/>
+            <a:off x="401146" y="1069670"/>
             <a:ext cx="4292429" cy="5289022"/>
           </a:xfrm>
         </p:spPr>
@@ -4827,6 +5469,225 @@
     <p:extLst>
       <p:ext uri="{BB962C8B-B14F-4D97-AF65-F5344CB8AC3E}">
         <p14:creationId xmlns:p14="http://schemas.microsoft.com/office/powerpoint/2010/main" val="280997893"/>
+      </p:ext>
+    </p:extLst>
+  </p:cSld>
+  <p:clrMapOvr>
+    <a:masterClrMapping/>
+  </p:clrMapOvr>
+  <p:timing>
+    <p:tnLst>
+      <p:par>
+        <p:cTn id="1" dur="indefinite" restart="never" nodeType="tmRoot"/>
+      </p:par>
+    </p:tnLst>
+  </p:timing>
+</p:sld>
+</file>
+
+<file path=ppt/slides/slide8.xml><?xml version="1.0" encoding="utf-8"?>
+<p:sld xmlns:a="http://schemas.openxmlformats.org/drawingml/2006/main" xmlns:r="http://schemas.openxmlformats.org/officeDocument/2006/relationships" xmlns:p="http://schemas.openxmlformats.org/presentationml/2006/main">
+  <p:cSld>
+    <p:bg>
+      <p:bgPr>
+        <a:solidFill>
+          <a:srgbClr val="FFB900"/>
+        </a:solidFill>
+        <a:effectLst/>
+      </p:bgPr>
+    </p:bg>
+    <p:spTree>
+      <p:nvGrpSpPr>
+        <p:cNvPr id="1" name=""/>
+        <p:cNvGrpSpPr/>
+        <p:nvPr/>
+      </p:nvGrpSpPr>
+      <p:grpSpPr>
+        <a:xfrm>
+          <a:off x="0" y="0"/>
+          <a:ext cx="0" cy="0"/>
+          <a:chOff x="0" y="0"/>
+          <a:chExt cx="0" cy="0"/>
+        </a:xfrm>
+      </p:grpSpPr>
+      <p:pic>
+        <p:nvPicPr>
+          <p:cNvPr id="4" name="Рисунок 3"/>
+          <p:cNvPicPr>
+            <a:picLocks noChangeAspect="1"/>
+          </p:cNvPicPr>
+          <p:nvPr/>
+        </p:nvPicPr>
+        <p:blipFill>
+          <a:blip r:embed="rId2"/>
+          <a:stretch>
+            <a:fillRect/>
+          </a:stretch>
+        </p:blipFill>
+        <p:spPr>
+          <a:xfrm>
+            <a:off x="4841191" y="1443764"/>
+            <a:ext cx="7053202" cy="4231187"/>
+          </a:xfrm>
+          <a:prstGeom prst="rect">
+            <a:avLst/>
+          </a:prstGeom>
+        </p:spPr>
+      </p:pic>
+      <p:sp>
+        <p:nvSpPr>
+          <p:cNvPr id="2" name="Заголовок 1"/>
+          <p:cNvSpPr>
+            <a:spLocks noGrp="1"/>
+          </p:cNvSpPr>
+          <p:nvPr>
+            <p:ph type="title"/>
+          </p:nvPr>
+        </p:nvSpPr>
+        <p:spPr>
+          <a:xfrm>
+            <a:off x="838200" y="365126"/>
+            <a:ext cx="10515600" cy="610234"/>
+          </a:xfrm>
+        </p:spPr>
+        <p:txBody>
+          <a:bodyPr>
+            <a:normAutofit fontScale="90000"/>
+          </a:bodyPr>
+          <a:lstStyle/>
+          <a:p>
+            <a:pPr algn="ctr"/>
+            <a:r>
+              <a:rPr lang="ru-RU" dirty="0" smtClean="0"/>
+              <a:t>Логика </a:t>
+            </a:r>
+            <a:r>
+              <a:rPr lang="ru-RU" dirty="0" smtClean="0"/>
+              <a:t>плавильни</a:t>
+            </a:r>
+            <a:endParaRPr lang="ru-RU" dirty="0"/>
+          </a:p>
+        </p:txBody>
+      </p:sp>
+      <p:sp>
+        <p:nvSpPr>
+          <p:cNvPr id="3" name="Объект 2"/>
+          <p:cNvSpPr>
+            <a:spLocks noGrp="1"/>
+          </p:cNvSpPr>
+          <p:nvPr>
+            <p:ph idx="1"/>
+          </p:nvPr>
+        </p:nvSpPr>
+        <p:spPr>
+          <a:xfrm>
+            <a:off x="401146" y="1069670"/>
+            <a:ext cx="4292429" cy="5289022"/>
+          </a:xfrm>
+        </p:spPr>
+        <p:txBody>
+          <a:bodyPr>
+            <a:normAutofit/>
+          </a:bodyPr>
+          <a:lstStyle/>
+          <a:p>
+            <a:pPr marL="0" indent="0">
+              <a:buNone/>
+            </a:pPr>
+            <a:r>
+              <a:rPr lang="ru-RU" sz="2400" dirty="0"/>
+              <a:t>Плавильня получает урон только от противников.</a:t>
+            </a:r>
+          </a:p>
+          <a:p>
+            <a:pPr marL="0" indent="0">
+              <a:buNone/>
+            </a:pPr>
+            <a:r>
+              <a:rPr lang="ru-RU" sz="2000" dirty="0" smtClean="0"/>
+              <a:t>Плавильня </a:t>
+            </a:r>
+            <a:r>
+              <a:rPr lang="ru-RU" sz="2200" dirty="0" smtClean="0"/>
+              <a:t>передаёт </a:t>
+            </a:r>
+            <a:r>
+              <a:rPr lang="ru-RU" sz="2200" dirty="0"/>
+              <a:t>предметы в неограниченном </a:t>
+            </a:r>
+            <a:r>
+              <a:rPr lang="ru-RU" sz="2200" dirty="0" smtClean="0"/>
+              <a:t>количестве</a:t>
+            </a:r>
+          </a:p>
+          <a:p>
+            <a:pPr lvl="1"/>
+            <a:r>
+              <a:rPr lang="ru-RU" sz="1700" dirty="0" smtClean="0"/>
+              <a:t>Если </a:t>
+            </a:r>
+            <a:r>
+              <a:rPr lang="ru-RU" sz="1700" dirty="0"/>
+              <a:t>у объекта, которому передаётся предмет, заполнено хранилище, то ресурс теряется.</a:t>
+            </a:r>
+          </a:p>
+          <a:p>
+            <a:pPr marL="0" indent="0">
+              <a:buNone/>
+            </a:pPr>
+            <a:r>
+              <a:rPr lang="ru-RU" sz="2400" dirty="0"/>
+              <a:t>У плавильни </a:t>
+            </a:r>
+            <a:r>
+              <a:rPr lang="ru-RU" sz="2200" dirty="0" smtClean="0"/>
+              <a:t>есть </a:t>
+            </a:r>
+            <a:r>
+              <a:rPr lang="ru-RU" sz="2200" dirty="0" err="1"/>
+              <a:t>permissions</a:t>
+            </a:r>
+            <a:r>
+              <a:rPr lang="ru-RU" sz="2200" dirty="0"/>
+              <a:t> в котором указано может ли робот сейчас выполнять то или иное действие</a:t>
+            </a:r>
+            <a:r>
+              <a:rPr lang="ru-RU" sz="2200" dirty="0" smtClean="0"/>
+              <a:t>.</a:t>
+            </a:r>
+          </a:p>
+          <a:p>
+            <a:pPr marL="0" indent="0">
+              <a:buNone/>
+            </a:pPr>
+            <a:r>
+              <a:rPr lang="ru-RU" sz="2200" dirty="0"/>
+              <a:t>На </a:t>
+            </a:r>
+            <a:r>
+              <a:rPr lang="ru-RU" sz="2200" dirty="0" err="1"/>
+              <a:t>permissions</a:t>
+            </a:r>
+            <a:r>
+              <a:rPr lang="ru-RU" sz="2200" dirty="0"/>
+              <a:t> могут влиять другие объекты. </a:t>
+            </a:r>
+          </a:p>
+          <a:p>
+            <a:pPr marL="0" indent="0">
+              <a:buNone/>
+            </a:pPr>
+            <a:endParaRPr lang="ru-RU" sz="2400" dirty="0"/>
+          </a:p>
+          <a:p>
+            <a:endParaRPr lang="ru-RU" dirty="0"/>
+          </a:p>
+        </p:txBody>
+      </p:sp>
+    </p:spTree>
+    <p:extLst>
+      <p:ext uri="{BB962C8B-B14F-4D97-AF65-F5344CB8AC3E}">
+        <p14:creationId xmlns:p14="http://schemas.microsoft.com/office/powerpoint/2010/main" val="3623213449"/>
       </p:ext>
     </p:extLst>
   </p:cSld>
@@ -4981,9 +5842,11 @@
           </a:p>
           <a:p>
             <a:r>
-              <a:rPr lang="ru-RU" dirty="0" err="1" smtClean="0"/>
+              <a:rPr lang="ru-RU" dirty="0" smtClean="0"/>
               <a:t>Виджеты</a:t>
             </a:r>
+          </a:p>
+          <a:p>
             <a:endParaRPr lang="ru-RU" dirty="0"/>
           </a:p>
         </p:txBody>
